--- a/src/doc/OPAL Tools v2.2.0.pptx
+++ b/src/doc/OPAL Tools v2.2.0.pptx
@@ -5,10 +5,10 @@
     <p:sldMasterId id="2147483689" r:id="rId1"/>
   </p:sldMasterIdLst>
   <p:notesMasterIdLst>
-    <p:notesMasterId r:id="rId27"/>
+    <p:notesMasterId r:id="rId32"/>
   </p:notesMasterIdLst>
   <p:handoutMasterIdLst>
-    <p:handoutMasterId r:id="rId28"/>
+    <p:handoutMasterId r:id="rId33"/>
   </p:handoutMasterIdLst>
   <p:sldIdLst>
     <p:sldId id="256" r:id="rId2"/>
@@ -32,10 +32,15 @@
     <p:sldId id="646" r:id="rId20"/>
     <p:sldId id="647" r:id="rId21"/>
     <p:sldId id="648" r:id="rId22"/>
-    <p:sldId id="633" r:id="rId23"/>
-    <p:sldId id="650" r:id="rId24"/>
-    <p:sldId id="649" r:id="rId25"/>
-    <p:sldId id="590" r:id="rId26"/>
+    <p:sldId id="654" r:id="rId23"/>
+    <p:sldId id="652" r:id="rId24"/>
+    <p:sldId id="653" r:id="rId25"/>
+    <p:sldId id="655" r:id="rId26"/>
+    <p:sldId id="656" r:id="rId27"/>
+    <p:sldId id="633" r:id="rId28"/>
+    <p:sldId id="650" r:id="rId29"/>
+    <p:sldId id="649" r:id="rId30"/>
+    <p:sldId id="590" r:id="rId31"/>
   </p:sldIdLst>
   <p:sldSz cx="24387175" cy="13716000"/>
   <p:notesSz cx="6858000" cy="9144000"/>
@@ -269,7 +274,7 @@
           <a:p>
             <a:fld id="{7912C047-BE12-EC46-B9BA-2707E4FC193E}" type="datetimeFigureOut">
               <a:rPr lang="en-US" smtClean="0"/>
-              <a:t>11/24/20</a:t>
+              <a:t>11/27/20</a:t>
             </a:fld>
             <a:endParaRPr lang="en-US"/>
           </a:p>
@@ -434,7 +439,7 @@
           <a:p>
             <a:fld id="{993E678E-1831-8F48-A62D-BC5A98DE3A4C}" type="datetimeFigureOut">
               <a:rPr lang="en-US" smtClean="0"/>
-              <a:t>11/24/20</a:t>
+              <a:t>11/27/20</a:t>
             </a:fld>
             <a:endParaRPr lang="en-US"/>
           </a:p>
@@ -1087,7 +1092,7 @@
           <a:p>
             <a:fld id="{0ED8A9B0-80EF-A34D-B345-E2DEC5501E01}" type="slidenum">
               <a:rPr lang="en-US" smtClean="0"/>
-              <a:t>22</a:t>
+              <a:t>27</a:t>
             </a:fld>
             <a:endParaRPr lang="en-US"/>
           </a:p>
@@ -1194,7 +1199,7 @@
           <a:p>
             <a:fld id="{0ED8A9B0-80EF-A34D-B345-E2DEC5501E01}" type="slidenum">
               <a:rPr lang="en-US" smtClean="0"/>
-              <a:t>24</a:t>
+              <a:t>29</a:t>
             </a:fld>
             <a:endParaRPr lang="en-US"/>
           </a:p>
@@ -1392,7 +1397,7 @@
           <a:p>
             <a:fld id="{21599422-E8BB-434D-B83B-853B35C0D38C}" type="datetimeFigureOut">
               <a:rPr lang="en-US" smtClean="0"/>
-              <a:t>11/24/20</a:t>
+              <a:t>11/27/20</a:t>
             </a:fld>
             <a:endParaRPr lang="en-US"/>
           </a:p>
@@ -1560,7 +1565,7 @@
           <a:p>
             <a:fld id="{21599422-E8BB-434D-B83B-853B35C0D38C}" type="datetimeFigureOut">
               <a:rPr lang="en-US" smtClean="0"/>
-              <a:t>11/24/20</a:t>
+              <a:t>11/27/20</a:t>
             </a:fld>
             <a:endParaRPr lang="en-US"/>
           </a:p>
@@ -1738,7 +1743,7 @@
           <a:p>
             <a:fld id="{21599422-E8BB-434D-B83B-853B35C0D38C}" type="datetimeFigureOut">
               <a:rPr lang="en-US" smtClean="0"/>
-              <a:t>11/24/20</a:t>
+              <a:t>11/27/20</a:t>
             </a:fld>
             <a:endParaRPr lang="en-US"/>
           </a:p>
@@ -3176,7 +3181,7 @@
           <a:p>
             <a:fld id="{21599422-E8BB-434D-B83B-853B35C0D38C}" type="datetimeFigureOut">
               <a:rPr lang="en-US" smtClean="0"/>
-              <a:t>11/24/20</a:t>
+              <a:t>11/27/20</a:t>
             </a:fld>
             <a:endParaRPr lang="en-US"/>
           </a:p>
@@ -3496,7 +3501,7 @@
           <a:p>
             <a:fld id="{21599422-E8BB-434D-B83B-853B35C0D38C}" type="datetimeFigureOut">
               <a:rPr lang="en-US" smtClean="0"/>
-              <a:t>11/24/20</a:t>
+              <a:t>11/27/20</a:t>
             </a:fld>
             <a:endParaRPr lang="en-US"/>
           </a:p>
@@ -3781,7 +3786,7 @@
           <a:p>
             <a:fld id="{21599422-E8BB-434D-B83B-853B35C0D38C}" type="datetimeFigureOut">
               <a:rPr lang="en-US" smtClean="0"/>
-              <a:t>11/24/20</a:t>
+              <a:t>11/27/20</a:t>
             </a:fld>
             <a:endParaRPr lang="en-US"/>
           </a:p>
@@ -4200,7 +4205,7 @@
           <a:p>
             <a:fld id="{21599422-E8BB-434D-B83B-853B35C0D38C}" type="datetimeFigureOut">
               <a:rPr lang="en-US" smtClean="0"/>
-              <a:t>11/24/20</a:t>
+              <a:t>11/27/20</a:t>
             </a:fld>
             <a:endParaRPr lang="en-US"/>
           </a:p>
@@ -4317,7 +4322,7 @@
           <a:p>
             <a:fld id="{21599422-E8BB-434D-B83B-853B35C0D38C}" type="datetimeFigureOut">
               <a:rPr lang="en-US" smtClean="0"/>
-              <a:t>11/24/20</a:t>
+              <a:t>11/27/20</a:t>
             </a:fld>
             <a:endParaRPr lang="en-US"/>
           </a:p>
@@ -4412,7 +4417,7 @@
           <a:p>
             <a:fld id="{21599422-E8BB-434D-B83B-853B35C0D38C}" type="datetimeFigureOut">
               <a:rPr lang="en-US" smtClean="0"/>
-              <a:t>11/24/20</a:t>
+              <a:t>11/27/20</a:t>
             </a:fld>
             <a:endParaRPr lang="en-US"/>
           </a:p>
@@ -4687,7 +4692,7 @@
           <a:p>
             <a:fld id="{21599422-E8BB-434D-B83B-853B35C0D38C}" type="datetimeFigureOut">
               <a:rPr lang="en-US" smtClean="0"/>
-              <a:t>11/24/20</a:t>
+              <a:t>11/27/20</a:t>
             </a:fld>
             <a:endParaRPr lang="en-US"/>
           </a:p>
@@ -4939,7 +4944,7 @@
           <a:p>
             <a:fld id="{21599422-E8BB-434D-B83B-853B35C0D38C}" type="datetimeFigureOut">
               <a:rPr lang="en-US" smtClean="0"/>
-              <a:t>11/24/20</a:t>
+              <a:t>11/27/20</a:t>
             </a:fld>
             <a:endParaRPr lang="en-US"/>
           </a:p>
@@ -5150,7 +5155,7 @@
           <a:p>
             <a:fld id="{21599422-E8BB-434D-B83B-853B35C0D38C}" type="datetimeFigureOut">
               <a:rPr lang="en-US" smtClean="0"/>
-              <a:t>11/24/20</a:t>
+              <a:t>11/27/20</a:t>
             </a:fld>
             <a:endParaRPr lang="en-US"/>
           </a:p>
@@ -5951,7 +5956,7 @@
           </a:prstGeom>
           <a:extLst>
             <a:ext uri="{FAA26D3D-D897-4be2-8F04-BA451C77F1D7}">
-              <ma14:placeholderFlag xmlns="" xmlns:ma14="http://schemas.microsoft.com/office/mac/drawingml/2011/main"/>
+              <ma14:placeholderFlag xmlns:ma14="http://schemas.microsoft.com/office/mac/drawingml/2011/main" xmlns=""/>
             </a:ext>
           </a:extLst>
         </p:spPr>
@@ -10757,41 +10762,6 @@
           </a:p>
         </p:txBody>
       </p:sp>
-      <p:pic>
-        <p:nvPicPr>
-          <p:cNvPr id="3" name="Grafik 2">
-            <a:extLst>
-              <a:ext uri="{FF2B5EF4-FFF2-40B4-BE49-F238E27FC236}">
-                <a16:creationId xmlns:a16="http://schemas.microsoft.com/office/drawing/2014/main" id="{9E33FCB8-A1BB-6343-9E75-7B4AC526C7FF}"/>
-              </a:ext>
-            </a:extLst>
-          </p:cNvPr>
-          <p:cNvPicPr>
-            <a:picLocks noChangeAspect="1"/>
-          </p:cNvPicPr>
-          <p:nvPr/>
-        </p:nvPicPr>
-        <p:blipFill>
-          <a:blip r:embed="rId2"/>
-          <a:stretch>
-            <a:fillRect/>
-          </a:stretch>
-        </p:blipFill>
-        <p:spPr>
-          <a:xfrm>
-            <a:off x="1258887" y="3189518"/>
-            <a:ext cx="16641316" cy="1816822"/>
-          </a:xfrm>
-          <a:prstGeom prst="rect">
-            <a:avLst/>
-          </a:prstGeom>
-          <a:ln>
-            <a:solidFill>
-              <a:schemeClr val="accent1"/>
-            </a:solidFill>
-          </a:ln>
-        </p:spPr>
-      </p:pic>
       <p:sp>
         <p:nvSpPr>
           <p:cNvPr id="14" name="Inhaltsplatzhalter 2">
@@ -11410,7 +11380,7 @@
           <p:nvPr/>
         </p:nvPicPr>
         <p:blipFill>
-          <a:blip r:embed="rId3"/>
+          <a:blip r:embed="rId2"/>
           <a:stretch>
             <a:fillRect/>
           </a:stretch>
@@ -11589,6 +11559,41 @@
           </a:p>
         </p:txBody>
       </p:sp>
+      <p:pic>
+        <p:nvPicPr>
+          <p:cNvPr id="4" name="Grafik 3">
+            <a:extLst>
+              <a:ext uri="{FF2B5EF4-FFF2-40B4-BE49-F238E27FC236}">
+                <a16:creationId xmlns:a16="http://schemas.microsoft.com/office/drawing/2014/main" id="{464F4B74-7A61-5548-BA61-EC097B023EC2}"/>
+              </a:ext>
+            </a:extLst>
+          </p:cNvPr>
+          <p:cNvPicPr>
+            <a:picLocks noChangeAspect="1"/>
+          </p:cNvPicPr>
+          <p:nvPr/>
+        </p:nvPicPr>
+        <p:blipFill>
+          <a:blip r:embed="rId3"/>
+          <a:stretch>
+            <a:fillRect/>
+          </a:stretch>
+        </p:blipFill>
+        <p:spPr>
+          <a:xfrm>
+            <a:off x="1258886" y="3079390"/>
+            <a:ext cx="20805806" cy="1587495"/>
+          </a:xfrm>
+          <a:prstGeom prst="rect">
+            <a:avLst/>
+          </a:prstGeom>
+          <a:ln>
+            <a:solidFill>
+              <a:schemeClr val="accent1"/>
+            </a:solidFill>
+          </a:ln>
+        </p:spPr>
+      </p:pic>
     </p:spTree>
     <p:extLst>
       <p:ext uri="{BB962C8B-B14F-4D97-AF65-F5344CB8AC3E}">
@@ -14822,6 +14827,111 @@
           </a:p>
         </p:txBody>
       </p:sp>
+      <p:pic>
+        <p:nvPicPr>
+          <p:cNvPr id="5" name="Grafik 4">
+            <a:extLst>
+              <a:ext uri="{FF2B5EF4-FFF2-40B4-BE49-F238E27FC236}">
+                <a16:creationId xmlns:a16="http://schemas.microsoft.com/office/drawing/2014/main" id="{1A6E1F04-3ADE-754A-AD68-19D00853C8D6}"/>
+              </a:ext>
+            </a:extLst>
+          </p:cNvPr>
+          <p:cNvPicPr>
+            <a:picLocks noChangeAspect="1"/>
+          </p:cNvPicPr>
+          <p:nvPr/>
+        </p:nvPicPr>
+        <p:blipFill>
+          <a:blip r:embed="rId4"/>
+          <a:stretch>
+            <a:fillRect/>
+          </a:stretch>
+        </p:blipFill>
+        <p:spPr>
+          <a:xfrm>
+            <a:off x="6703767" y="7175339"/>
+            <a:ext cx="9537700" cy="520700"/>
+          </a:xfrm>
+          <a:prstGeom prst="rect">
+            <a:avLst/>
+          </a:prstGeom>
+          <a:ln>
+            <a:solidFill>
+              <a:schemeClr val="accent1"/>
+            </a:solidFill>
+          </a:ln>
+        </p:spPr>
+      </p:pic>
+      <p:pic>
+        <p:nvPicPr>
+          <p:cNvPr id="6" name="Grafik 5">
+            <a:extLst>
+              <a:ext uri="{FF2B5EF4-FFF2-40B4-BE49-F238E27FC236}">
+                <a16:creationId xmlns:a16="http://schemas.microsoft.com/office/drawing/2014/main" id="{D66D65D9-48D1-F343-976E-EFAFBF2D7F5B}"/>
+              </a:ext>
+            </a:extLst>
+          </p:cNvPr>
+          <p:cNvPicPr>
+            <a:picLocks noChangeAspect="1"/>
+          </p:cNvPicPr>
+          <p:nvPr/>
+        </p:nvPicPr>
+        <p:blipFill>
+          <a:blip r:embed="rId5"/>
+          <a:stretch>
+            <a:fillRect/>
+          </a:stretch>
+        </p:blipFill>
+        <p:spPr>
+          <a:xfrm>
+            <a:off x="7956707" y="7886537"/>
+            <a:ext cx="7531100" cy="533400"/>
+          </a:xfrm>
+          <a:prstGeom prst="rect">
+            <a:avLst/>
+          </a:prstGeom>
+          <a:ln>
+            <a:solidFill>
+              <a:schemeClr val="accent1"/>
+            </a:solidFill>
+          </a:ln>
+        </p:spPr>
+      </p:pic>
+      <p:pic>
+        <p:nvPicPr>
+          <p:cNvPr id="12" name="Grafik 11">
+            <a:extLst>
+              <a:ext uri="{FF2B5EF4-FFF2-40B4-BE49-F238E27FC236}">
+                <a16:creationId xmlns:a16="http://schemas.microsoft.com/office/drawing/2014/main" id="{590320F6-9E8C-9343-B6B9-213486AB2384}"/>
+              </a:ext>
+            </a:extLst>
+          </p:cNvPr>
+          <p:cNvPicPr>
+            <a:picLocks noChangeAspect="1"/>
+          </p:cNvPicPr>
+          <p:nvPr/>
+        </p:nvPicPr>
+        <p:blipFill>
+          <a:blip r:embed="rId6"/>
+          <a:stretch>
+            <a:fillRect/>
+          </a:stretch>
+        </p:blipFill>
+        <p:spPr>
+          <a:xfrm>
+            <a:off x="7956707" y="11624458"/>
+            <a:ext cx="7899400" cy="520700"/>
+          </a:xfrm>
+          <a:prstGeom prst="rect">
+            <a:avLst/>
+          </a:prstGeom>
+          <a:ln>
+            <a:solidFill>
+              <a:schemeClr val="accent1"/>
+            </a:solidFill>
+          </a:ln>
+        </p:spPr>
+      </p:pic>
     </p:spTree>
     <p:extLst>
       <p:ext uri="{BB962C8B-B14F-4D97-AF65-F5344CB8AC3E}">
@@ -14927,7 +15037,7 @@
                                           </p:stCondLst>
                                         </p:cTn>
                                         <p:tgtEl>
-                                          <p:spTgt spid="4"/>
+                                          <p:spTgt spid="5"/>
                                         </p:tgtEl>
                                         <p:attrNameLst>
                                           <p:attrName>style.visibility</p:attrName>
@@ -14959,7 +15069,7 @@
                             </p:stCondLst>
                             <p:childTnLst>
                               <p:par>
-                                <p:cTn id="13" presetID="1" presetClass="entr" presetSubtype="0" fill="hold" grpId="0" nodeType="clickEffect">
+                                <p:cTn id="13" presetID="1" presetClass="entr" presetSubtype="0" fill="hold" nodeType="clickEffect">
                                   <p:stCondLst>
                                     <p:cond delay="0"/>
                                   </p:stCondLst>
@@ -14967,6 +15077,96 @@
                                     <p:set>
                                       <p:cBhvr>
                                         <p:cTn id="14" dur="1" fill="hold">
+                                          <p:stCondLst>
+                                            <p:cond delay="0"/>
+                                          </p:stCondLst>
+                                        </p:cTn>
+                                        <p:tgtEl>
+                                          <p:spTgt spid="6"/>
+                                        </p:tgtEl>
+                                        <p:attrNameLst>
+                                          <p:attrName>style.visibility</p:attrName>
+                                        </p:attrNameLst>
+                                      </p:cBhvr>
+                                      <p:to>
+                                        <p:strVal val="visible"/>
+                                      </p:to>
+                                    </p:set>
+                                  </p:childTnLst>
+                                </p:cTn>
+                              </p:par>
+                            </p:childTnLst>
+                          </p:cTn>
+                        </p:par>
+                      </p:childTnLst>
+                    </p:cTn>
+                  </p:par>
+                  <p:par>
+                    <p:cTn id="15" fill="hold">
+                      <p:stCondLst>
+                        <p:cond delay="indefinite"/>
+                      </p:stCondLst>
+                      <p:childTnLst>
+                        <p:par>
+                          <p:cTn id="16" fill="hold">
+                            <p:stCondLst>
+                              <p:cond delay="0"/>
+                            </p:stCondLst>
+                            <p:childTnLst>
+                              <p:par>
+                                <p:cTn id="17" presetID="1" presetClass="entr" presetSubtype="0" fill="hold" nodeType="clickEffect">
+                                  <p:stCondLst>
+                                    <p:cond delay="0"/>
+                                  </p:stCondLst>
+                                  <p:childTnLst>
+                                    <p:set>
+                                      <p:cBhvr>
+                                        <p:cTn id="18" dur="1" fill="hold">
+                                          <p:stCondLst>
+                                            <p:cond delay="0"/>
+                                          </p:stCondLst>
+                                        </p:cTn>
+                                        <p:tgtEl>
+                                          <p:spTgt spid="4"/>
+                                        </p:tgtEl>
+                                        <p:attrNameLst>
+                                          <p:attrName>style.visibility</p:attrName>
+                                        </p:attrNameLst>
+                                      </p:cBhvr>
+                                      <p:to>
+                                        <p:strVal val="visible"/>
+                                      </p:to>
+                                    </p:set>
+                                  </p:childTnLst>
+                                </p:cTn>
+                              </p:par>
+                            </p:childTnLst>
+                          </p:cTn>
+                        </p:par>
+                      </p:childTnLst>
+                    </p:cTn>
+                  </p:par>
+                  <p:par>
+                    <p:cTn id="19" fill="hold">
+                      <p:stCondLst>
+                        <p:cond delay="indefinite"/>
+                      </p:stCondLst>
+                      <p:childTnLst>
+                        <p:par>
+                          <p:cTn id="20" fill="hold">
+                            <p:stCondLst>
+                              <p:cond delay="0"/>
+                            </p:stCondLst>
+                            <p:childTnLst>
+                              <p:par>
+                                <p:cTn id="21" presetID="1" presetClass="entr" presetSubtype="0" fill="hold" grpId="0" nodeType="clickEffect">
+                                  <p:stCondLst>
+                                    <p:cond delay="0"/>
+                                  </p:stCondLst>
+                                  <p:childTnLst>
+                                    <p:set>
+                                      <p:cBhvr>
+                                        <p:cTn id="22" dur="1" fill="hold">
                                           <p:stCondLst>
                                             <p:cond delay="0"/>
                                           </p:stCondLst>
@@ -15008,26 +15208,26 @@
                     </p:cTn>
                   </p:par>
                   <p:par>
-                    <p:cTn id="15" fill="hold">
+                    <p:cTn id="23" fill="hold">
                       <p:stCondLst>
                         <p:cond delay="indefinite"/>
                       </p:stCondLst>
                       <p:childTnLst>
                         <p:par>
-                          <p:cTn id="16" fill="hold">
+                          <p:cTn id="24" fill="hold">
                             <p:stCondLst>
                               <p:cond delay="0"/>
                             </p:stCondLst>
                             <p:childTnLst>
                               <p:par>
-                                <p:cTn id="17" presetID="1" presetClass="entr" presetSubtype="0" fill="hold" grpId="0" nodeType="clickEffect">
+                                <p:cTn id="25" presetID="1" presetClass="entr" presetSubtype="0" fill="hold" grpId="0" nodeType="clickEffect">
                                   <p:stCondLst>
                                     <p:cond delay="0"/>
                                   </p:stCondLst>
                                   <p:childTnLst>
                                     <p:set>
                                       <p:cBhvr>
-                                        <p:cTn id="18" dur="1" fill="hold">
+                                        <p:cTn id="26" dur="1" fill="hold">
                                           <p:stCondLst>
                                             <p:cond delay="0"/>
                                           </p:stCondLst>
@@ -15069,26 +15269,26 @@
                     </p:cTn>
                   </p:par>
                   <p:par>
-                    <p:cTn id="19" fill="hold">
+                    <p:cTn id="27" fill="hold">
                       <p:stCondLst>
                         <p:cond delay="indefinite"/>
                       </p:stCondLst>
                       <p:childTnLst>
                         <p:par>
-                          <p:cTn id="20" fill="hold">
+                          <p:cTn id="28" fill="hold">
                             <p:stCondLst>
                               <p:cond delay="0"/>
                             </p:stCondLst>
                             <p:childTnLst>
                               <p:par>
-                                <p:cTn id="21" presetID="1" presetClass="entr" presetSubtype="0" fill="hold" grpId="0" nodeType="clickEffect">
+                                <p:cTn id="29" presetID="1" presetClass="entr" presetSubtype="0" fill="hold" grpId="0" nodeType="clickEffect">
                                   <p:stCondLst>
                                     <p:cond delay="0"/>
                                   </p:stCondLst>
                                   <p:childTnLst>
                                     <p:set>
                                       <p:cBhvr>
-                                        <p:cTn id="22" dur="1" fill="hold">
+                                        <p:cTn id="30" dur="1" fill="hold">
                                           <p:stCondLst>
                                             <p:cond delay="0"/>
                                           </p:stCondLst>
@@ -15121,6 +15321,51 @@
                                       </p:to>
                                     </p:set>
                                   </p:subTnLst>
+                                </p:cTn>
+                              </p:par>
+                            </p:childTnLst>
+                          </p:cTn>
+                        </p:par>
+                      </p:childTnLst>
+                    </p:cTn>
+                  </p:par>
+                  <p:par>
+                    <p:cTn id="31" fill="hold">
+                      <p:stCondLst>
+                        <p:cond delay="indefinite"/>
+                      </p:stCondLst>
+                      <p:childTnLst>
+                        <p:par>
+                          <p:cTn id="32" fill="hold">
+                            <p:stCondLst>
+                              <p:cond delay="0"/>
+                            </p:stCondLst>
+                            <p:childTnLst>
+                              <p:par>
+                                <p:cTn id="33" presetID="1" presetClass="entr" presetSubtype="0" fill="hold" nodeType="clickEffect">
+                                  <p:stCondLst>
+                                    <p:cond delay="0"/>
+                                  </p:stCondLst>
+                                  <p:childTnLst>
+                                    <p:set>
+                                      <p:cBhvr>
+                                        <p:cTn id="34" dur="1" fill="hold">
+                                          <p:stCondLst>
+                                            <p:cond delay="0"/>
+                                          </p:stCondLst>
+                                        </p:cTn>
+                                        <p:tgtEl>
+                                          <p:spTgt spid="12"/>
+                                        </p:tgtEl>
+                                        <p:attrNameLst>
+                                          <p:attrName>style.visibility</p:attrName>
+                                        </p:attrNameLst>
+                                      </p:cBhvr>
+                                      <p:to>
+                                        <p:strVal val="visible"/>
+                                      </p:to>
+                                    </p:set>
+                                  </p:childTnLst>
                                 </p:cTn>
                               </p:par>
                             </p:childTnLst>
@@ -15540,10 +15785,10 @@
       </p:pic>
       <p:pic>
         <p:nvPicPr>
-          <p:cNvPr id="12" name="Grafik 11">
+          <p:cNvPr id="4" name="Grafik 3">
             <a:extLst>
               <a:ext uri="{FF2B5EF4-FFF2-40B4-BE49-F238E27FC236}">
-                <a16:creationId xmlns:a16="http://schemas.microsoft.com/office/drawing/2014/main" id="{13B9C93A-B227-D345-B401-FC86EE07094E}"/>
+                <a16:creationId xmlns:a16="http://schemas.microsoft.com/office/drawing/2014/main" id="{750F3CDB-A9FE-AB4D-973B-B12BD6D6E6FC}"/>
               </a:ext>
             </a:extLst>
           </p:cNvPr>
@@ -15560,8 +15805,8 @@
         </p:blipFill>
         <p:spPr>
           <a:xfrm>
-            <a:off x="1438344" y="8130206"/>
-            <a:ext cx="21881491" cy="4910903"/>
+            <a:off x="1968534" y="8028213"/>
+            <a:ext cx="20450106" cy="5234253"/>
           </a:xfrm>
           <a:prstGeom prst="rect">
             <a:avLst/>
@@ -16462,6 +16707,3611 @@
           <a:chExt cx="0" cy="0"/>
         </a:xfrm>
       </p:grpSpPr>
+      <p:pic>
+        <p:nvPicPr>
+          <p:cNvPr id="5" name="Grafik 4">
+            <a:extLst>
+              <a:ext uri="{FF2B5EF4-FFF2-40B4-BE49-F238E27FC236}">
+                <a16:creationId xmlns:a16="http://schemas.microsoft.com/office/drawing/2014/main" id="{945D7483-20B2-6A48-A0F1-AA030ACA6B45}"/>
+              </a:ext>
+            </a:extLst>
+          </p:cNvPr>
+          <p:cNvPicPr>
+            <a:picLocks noChangeAspect="1"/>
+          </p:cNvPicPr>
+          <p:nvPr/>
+        </p:nvPicPr>
+        <p:blipFill>
+          <a:blip r:embed="rId2"/>
+          <a:stretch>
+            <a:fillRect/>
+          </a:stretch>
+        </p:blipFill>
+        <p:spPr>
+          <a:xfrm>
+            <a:off x="18983739" y="237987"/>
+            <a:ext cx="4954035" cy="13222640"/>
+          </a:xfrm>
+          <a:prstGeom prst="rect">
+            <a:avLst/>
+          </a:prstGeom>
+          <a:ln>
+            <a:solidFill>
+              <a:schemeClr val="accent1"/>
+            </a:solidFill>
+          </a:ln>
+        </p:spPr>
+      </p:pic>
+      <p:sp>
+        <p:nvSpPr>
+          <p:cNvPr id="2" name="Titel 1">
+            <a:extLst>
+              <a:ext uri="{FF2B5EF4-FFF2-40B4-BE49-F238E27FC236}">
+                <a16:creationId xmlns:a16="http://schemas.microsoft.com/office/drawing/2014/main" id="{574A5A47-A541-3E45-B751-829AFEFFBCB3}"/>
+              </a:ext>
+            </a:extLst>
+          </p:cNvPr>
+          <p:cNvSpPr>
+            <a:spLocks noGrp="1"/>
+          </p:cNvSpPr>
+          <p:nvPr>
+            <p:ph type="title"/>
+          </p:nvPr>
+        </p:nvSpPr>
+        <p:spPr/>
+        <p:txBody>
+          <a:bodyPr>
+            <a:normAutofit/>
+          </a:bodyPr>
+          <a:lstStyle/>
+          <a:p>
+            <a:r>
+              <a:rPr lang="de-DE" dirty="0"/>
+              <a:t>The Solution - INSTALLER</a:t>
+            </a:r>
+          </a:p>
+        </p:txBody>
+      </p:sp>
+      <p:sp>
+        <p:nvSpPr>
+          <p:cNvPr id="3" name="Inhaltsplatzhalter 2">
+            <a:extLst>
+              <a:ext uri="{FF2B5EF4-FFF2-40B4-BE49-F238E27FC236}">
+                <a16:creationId xmlns:a16="http://schemas.microsoft.com/office/drawing/2014/main" id="{F9D2D66F-04F0-0640-BA49-C0428BDC8D3C}"/>
+              </a:ext>
+            </a:extLst>
+          </p:cNvPr>
+          <p:cNvSpPr>
+            <a:spLocks noGrp="1"/>
+          </p:cNvSpPr>
+          <p:nvPr>
+            <p:ph idx="1"/>
+          </p:nvPr>
+        </p:nvSpPr>
+        <p:spPr>
+          <a:xfrm>
+            <a:off x="1219359" y="2354905"/>
+            <a:ext cx="15323371" cy="9897422"/>
+          </a:xfrm>
+        </p:spPr>
+        <p:txBody>
+          <a:bodyPr>
+            <a:normAutofit/>
+          </a:bodyPr>
+          <a:lstStyle/>
+          <a:p>
+            <a:pPr marL="0" indent="0">
+              <a:buNone/>
+            </a:pPr>
+            <a:r>
+              <a:rPr lang="de-DE" dirty="0" err="1"/>
+              <a:t>Config</a:t>
+            </a:r>
+            <a:r>
+              <a:rPr lang="de-DE" dirty="0"/>
+              <a:t> </a:t>
+            </a:r>
+            <a:r>
+              <a:rPr lang="de-DE" dirty="0" err="1"/>
+              <a:t>file</a:t>
+            </a:r>
+            <a:r>
+              <a:rPr lang="de-DE" dirty="0"/>
+              <a:t> </a:t>
+            </a:r>
+            <a:r>
+              <a:rPr lang="de-DE" dirty="0" err="1"/>
+              <a:t>for</a:t>
+            </a:r>
+            <a:r>
+              <a:rPr lang="de-DE" dirty="0"/>
+              <a:t> </a:t>
+            </a:r>
+            <a:r>
+              <a:rPr lang="de-DE" dirty="0" err="1"/>
+              <a:t>the</a:t>
+            </a:r>
+            <a:r>
+              <a:rPr lang="de-DE" dirty="0"/>
+              <a:t> </a:t>
+            </a:r>
+            <a:r>
+              <a:rPr lang="de-DE" dirty="0" err="1"/>
+              <a:t>patch</a:t>
+            </a:r>
+            <a:r>
+              <a:rPr lang="de-DE" dirty="0"/>
+              <a:t>: opal-</a:t>
+            </a:r>
+            <a:r>
+              <a:rPr lang="de-DE" dirty="0" err="1"/>
+              <a:t>installer.json</a:t>
+            </a:r>
+            <a:endParaRPr lang="de-DE" dirty="0"/>
+          </a:p>
+        </p:txBody>
+      </p:sp>
+      <p:sp>
+        <p:nvSpPr>
+          <p:cNvPr id="14" name="Abgerundetes Rechteck 13">
+            <a:extLst>
+              <a:ext uri="{FF2B5EF4-FFF2-40B4-BE49-F238E27FC236}">
+                <a16:creationId xmlns:a16="http://schemas.microsoft.com/office/drawing/2014/main" id="{24694C76-48AC-7E4A-BA74-FAA15CA38AEB}"/>
+              </a:ext>
+            </a:extLst>
+          </p:cNvPr>
+          <p:cNvSpPr/>
+          <p:nvPr/>
+        </p:nvSpPr>
+        <p:spPr bwMode="auto">
+          <a:xfrm>
+            <a:off x="19635787" y="2946402"/>
+            <a:ext cx="4081464" cy="365124"/>
+          </a:xfrm>
+          <a:prstGeom prst="roundRect">
+            <a:avLst/>
+          </a:prstGeom>
+          <a:solidFill>
+            <a:schemeClr val="accent1">
+              <a:alpha val="10000"/>
+            </a:schemeClr>
+          </a:solidFill>
+          <a:ln w="76200" cap="flat" cmpd="sng" algn="ctr">
+            <a:solidFill>
+              <a:schemeClr val="accent1"/>
+            </a:solidFill>
+            <a:prstDash val="solid"/>
+            <a:round/>
+            <a:headEnd type="none" w="med" len="med"/>
+            <a:tailEnd type="none" w="med" len="med"/>
+          </a:ln>
+          <a:effectLst/>
+        </p:spPr>
+        <p:txBody>
+          <a:bodyPr wrap="none" lIns="0" tIns="0" rIns="0" bIns="0" anchor="ctr"/>
+          <a:lstStyle/>
+          <a:p>
+            <a:pPr>
+              <a:buFont typeface="Wingdings" pitchFamily="2" charset="2"/>
+              <a:buNone/>
+              <a:defRPr/>
+            </a:pPr>
+            <a:endParaRPr lang="de-DE">
+              <a:latin typeface="Arial Unicode MS" pitchFamily="34" charset="-128"/>
+              <a:ea typeface="+mn-ea"/>
+              <a:cs typeface="+mn-cs"/>
+            </a:endParaRPr>
+          </a:p>
+        </p:txBody>
+      </p:sp>
+      <p:pic>
+        <p:nvPicPr>
+          <p:cNvPr id="7" name="Grafik 6">
+            <a:extLst>
+              <a:ext uri="{FF2B5EF4-FFF2-40B4-BE49-F238E27FC236}">
+                <a16:creationId xmlns:a16="http://schemas.microsoft.com/office/drawing/2014/main" id="{4B05D538-4989-6741-8337-50191C765902}"/>
+              </a:ext>
+            </a:extLst>
+          </p:cNvPr>
+          <p:cNvPicPr>
+            <a:picLocks noChangeAspect="1"/>
+          </p:cNvPicPr>
+          <p:nvPr/>
+        </p:nvPicPr>
+        <p:blipFill>
+          <a:blip r:embed="rId3"/>
+          <a:stretch>
+            <a:fillRect/>
+          </a:stretch>
+        </p:blipFill>
+        <p:spPr>
+          <a:xfrm>
+            <a:off x="1550986" y="3771259"/>
+            <a:ext cx="9840913" cy="9198790"/>
+          </a:xfrm>
+          <a:prstGeom prst="rect">
+            <a:avLst/>
+          </a:prstGeom>
+          <a:ln>
+            <a:solidFill>
+              <a:schemeClr val="accent1"/>
+            </a:solidFill>
+          </a:ln>
+        </p:spPr>
+      </p:pic>
+      <p:sp>
+        <p:nvSpPr>
+          <p:cNvPr id="16" name="Abgerundetes Rechteck 15">
+            <a:extLst>
+              <a:ext uri="{FF2B5EF4-FFF2-40B4-BE49-F238E27FC236}">
+                <a16:creationId xmlns:a16="http://schemas.microsoft.com/office/drawing/2014/main" id="{5629A630-E69A-F040-A6BD-01F254A0EF9C}"/>
+              </a:ext>
+            </a:extLst>
+          </p:cNvPr>
+          <p:cNvSpPr/>
+          <p:nvPr/>
+        </p:nvSpPr>
+        <p:spPr bwMode="auto">
+          <a:xfrm>
+            <a:off x="1550986" y="4032252"/>
+            <a:ext cx="5726114" cy="1682748"/>
+          </a:xfrm>
+          <a:prstGeom prst="roundRect">
+            <a:avLst/>
+          </a:prstGeom>
+          <a:solidFill>
+            <a:schemeClr val="accent1">
+              <a:alpha val="10000"/>
+            </a:schemeClr>
+          </a:solidFill>
+          <a:ln w="76200" cap="flat" cmpd="sng" algn="ctr">
+            <a:solidFill>
+              <a:schemeClr val="accent1"/>
+            </a:solidFill>
+            <a:prstDash val="solid"/>
+            <a:round/>
+            <a:headEnd type="none" w="med" len="med"/>
+            <a:tailEnd type="none" w="med" len="med"/>
+          </a:ln>
+          <a:effectLst/>
+        </p:spPr>
+        <p:txBody>
+          <a:bodyPr wrap="none" lIns="0" tIns="0" rIns="0" bIns="0" anchor="ctr"/>
+          <a:lstStyle/>
+          <a:p>
+            <a:pPr>
+              <a:buFont typeface="Wingdings" pitchFamily="2" charset="2"/>
+              <a:buNone/>
+              <a:defRPr/>
+            </a:pPr>
+            <a:endParaRPr lang="de-DE">
+              <a:latin typeface="Arial Unicode MS" pitchFamily="34" charset="-128"/>
+              <a:ea typeface="+mn-ea"/>
+              <a:cs typeface="+mn-cs"/>
+            </a:endParaRPr>
+          </a:p>
+        </p:txBody>
+      </p:sp>
+      <p:sp>
+        <p:nvSpPr>
+          <p:cNvPr id="17" name="Abgerundetes Rechteck 16">
+            <a:extLst>
+              <a:ext uri="{FF2B5EF4-FFF2-40B4-BE49-F238E27FC236}">
+                <a16:creationId xmlns:a16="http://schemas.microsoft.com/office/drawing/2014/main" id="{E5820115-7966-C149-85AF-CF8810FF97BA}"/>
+              </a:ext>
+            </a:extLst>
+          </p:cNvPr>
+          <p:cNvSpPr/>
+          <p:nvPr/>
+        </p:nvSpPr>
+        <p:spPr bwMode="auto">
+          <a:xfrm>
+            <a:off x="1550986" y="5715000"/>
+            <a:ext cx="5726114" cy="2647950"/>
+          </a:xfrm>
+          <a:prstGeom prst="roundRect">
+            <a:avLst/>
+          </a:prstGeom>
+          <a:solidFill>
+            <a:schemeClr val="accent1">
+              <a:alpha val="10000"/>
+            </a:schemeClr>
+          </a:solidFill>
+          <a:ln w="76200" cap="flat" cmpd="sng" algn="ctr">
+            <a:solidFill>
+              <a:schemeClr val="accent1"/>
+            </a:solidFill>
+            <a:prstDash val="solid"/>
+            <a:round/>
+            <a:headEnd type="none" w="med" len="med"/>
+            <a:tailEnd type="none" w="med" len="med"/>
+          </a:ln>
+          <a:effectLst/>
+        </p:spPr>
+        <p:txBody>
+          <a:bodyPr wrap="none" lIns="0" tIns="0" rIns="0" bIns="0" anchor="ctr"/>
+          <a:lstStyle/>
+          <a:p>
+            <a:pPr>
+              <a:buFont typeface="Wingdings" pitchFamily="2" charset="2"/>
+              <a:buNone/>
+              <a:defRPr/>
+            </a:pPr>
+            <a:endParaRPr lang="de-DE">
+              <a:latin typeface="Arial Unicode MS" pitchFamily="34" charset="-128"/>
+              <a:ea typeface="+mn-ea"/>
+              <a:cs typeface="+mn-cs"/>
+            </a:endParaRPr>
+          </a:p>
+        </p:txBody>
+      </p:sp>
+      <p:sp>
+        <p:nvSpPr>
+          <p:cNvPr id="18" name="Abgerundetes Rechteck 17">
+            <a:extLst>
+              <a:ext uri="{FF2B5EF4-FFF2-40B4-BE49-F238E27FC236}">
+                <a16:creationId xmlns:a16="http://schemas.microsoft.com/office/drawing/2014/main" id="{04F957CB-AE2D-3D4D-B3F8-AC1AE4EA5A1D}"/>
+              </a:ext>
+            </a:extLst>
+          </p:cNvPr>
+          <p:cNvSpPr/>
+          <p:nvPr/>
+        </p:nvSpPr>
+        <p:spPr bwMode="auto">
+          <a:xfrm>
+            <a:off x="1550986" y="8362950"/>
+            <a:ext cx="5726114" cy="304800"/>
+          </a:xfrm>
+          <a:prstGeom prst="roundRect">
+            <a:avLst/>
+          </a:prstGeom>
+          <a:solidFill>
+            <a:schemeClr val="accent1">
+              <a:alpha val="10000"/>
+            </a:schemeClr>
+          </a:solidFill>
+          <a:ln w="76200" cap="flat" cmpd="sng" algn="ctr">
+            <a:solidFill>
+              <a:schemeClr val="accent1"/>
+            </a:solidFill>
+            <a:prstDash val="solid"/>
+            <a:round/>
+            <a:headEnd type="none" w="med" len="med"/>
+            <a:tailEnd type="none" w="med" len="med"/>
+          </a:ln>
+          <a:effectLst/>
+        </p:spPr>
+        <p:txBody>
+          <a:bodyPr wrap="none" lIns="0" tIns="0" rIns="0" bIns="0" anchor="ctr"/>
+          <a:lstStyle/>
+          <a:p>
+            <a:pPr>
+              <a:buFont typeface="Wingdings" pitchFamily="2" charset="2"/>
+              <a:buNone/>
+              <a:defRPr/>
+            </a:pPr>
+            <a:endParaRPr lang="de-DE">
+              <a:latin typeface="Arial Unicode MS" pitchFamily="34" charset="-128"/>
+              <a:ea typeface="+mn-ea"/>
+              <a:cs typeface="+mn-cs"/>
+            </a:endParaRPr>
+          </a:p>
+        </p:txBody>
+      </p:sp>
+      <p:sp>
+        <p:nvSpPr>
+          <p:cNvPr id="19" name="Abgerundetes Rechteck 18">
+            <a:extLst>
+              <a:ext uri="{FF2B5EF4-FFF2-40B4-BE49-F238E27FC236}">
+                <a16:creationId xmlns:a16="http://schemas.microsoft.com/office/drawing/2014/main" id="{AB9CB1BE-6344-6B40-9A16-E094863188D7}"/>
+              </a:ext>
+            </a:extLst>
+          </p:cNvPr>
+          <p:cNvSpPr/>
+          <p:nvPr/>
+        </p:nvSpPr>
+        <p:spPr bwMode="auto">
+          <a:xfrm>
+            <a:off x="1550986" y="8648700"/>
+            <a:ext cx="5726114" cy="304800"/>
+          </a:xfrm>
+          <a:prstGeom prst="roundRect">
+            <a:avLst/>
+          </a:prstGeom>
+          <a:solidFill>
+            <a:schemeClr val="accent1">
+              <a:alpha val="10000"/>
+            </a:schemeClr>
+          </a:solidFill>
+          <a:ln w="76200" cap="flat" cmpd="sng" algn="ctr">
+            <a:solidFill>
+              <a:schemeClr val="accent1"/>
+            </a:solidFill>
+            <a:prstDash val="solid"/>
+            <a:round/>
+            <a:headEnd type="none" w="med" len="med"/>
+            <a:tailEnd type="none" w="med" len="med"/>
+          </a:ln>
+          <a:effectLst/>
+        </p:spPr>
+        <p:txBody>
+          <a:bodyPr wrap="none" lIns="0" tIns="0" rIns="0" bIns="0" anchor="ctr"/>
+          <a:lstStyle/>
+          <a:p>
+            <a:pPr>
+              <a:buFont typeface="Wingdings" pitchFamily="2" charset="2"/>
+              <a:buNone/>
+              <a:defRPr/>
+            </a:pPr>
+            <a:endParaRPr lang="de-DE">
+              <a:latin typeface="Arial Unicode MS" pitchFamily="34" charset="-128"/>
+              <a:ea typeface="+mn-ea"/>
+              <a:cs typeface="+mn-cs"/>
+            </a:endParaRPr>
+          </a:p>
+        </p:txBody>
+      </p:sp>
+      <p:sp>
+        <p:nvSpPr>
+          <p:cNvPr id="20" name="Abgerundetes Rechteck 19">
+            <a:extLst>
+              <a:ext uri="{FF2B5EF4-FFF2-40B4-BE49-F238E27FC236}">
+                <a16:creationId xmlns:a16="http://schemas.microsoft.com/office/drawing/2014/main" id="{E04580B0-F52E-664B-9BE5-BC64DD123B3A}"/>
+              </a:ext>
+            </a:extLst>
+          </p:cNvPr>
+          <p:cNvSpPr/>
+          <p:nvPr/>
+        </p:nvSpPr>
+        <p:spPr bwMode="auto">
+          <a:xfrm>
+            <a:off x="1550986" y="8934450"/>
+            <a:ext cx="9689530" cy="323850"/>
+          </a:xfrm>
+          <a:prstGeom prst="roundRect">
+            <a:avLst/>
+          </a:prstGeom>
+          <a:solidFill>
+            <a:schemeClr val="accent1">
+              <a:alpha val="10000"/>
+            </a:schemeClr>
+          </a:solidFill>
+          <a:ln w="76200" cap="flat" cmpd="sng" algn="ctr">
+            <a:solidFill>
+              <a:schemeClr val="accent1"/>
+            </a:solidFill>
+            <a:prstDash val="solid"/>
+            <a:round/>
+            <a:headEnd type="none" w="med" len="med"/>
+            <a:tailEnd type="none" w="med" len="med"/>
+          </a:ln>
+          <a:effectLst/>
+        </p:spPr>
+        <p:txBody>
+          <a:bodyPr wrap="none" lIns="0" tIns="0" rIns="0" bIns="0" anchor="ctr"/>
+          <a:lstStyle/>
+          <a:p>
+            <a:pPr>
+              <a:buFont typeface="Wingdings" pitchFamily="2" charset="2"/>
+              <a:buNone/>
+              <a:defRPr/>
+            </a:pPr>
+            <a:endParaRPr lang="de-DE">
+              <a:latin typeface="Arial Unicode MS" pitchFamily="34" charset="-128"/>
+              <a:ea typeface="+mn-ea"/>
+              <a:cs typeface="+mn-cs"/>
+            </a:endParaRPr>
+          </a:p>
+        </p:txBody>
+      </p:sp>
+      <p:sp>
+        <p:nvSpPr>
+          <p:cNvPr id="21" name="Abgerundetes Rechteck 20">
+            <a:extLst>
+              <a:ext uri="{FF2B5EF4-FFF2-40B4-BE49-F238E27FC236}">
+                <a16:creationId xmlns:a16="http://schemas.microsoft.com/office/drawing/2014/main" id="{A4DF688B-65B1-9B4A-A1C0-A88166810C38}"/>
+              </a:ext>
+            </a:extLst>
+          </p:cNvPr>
+          <p:cNvSpPr/>
+          <p:nvPr/>
+        </p:nvSpPr>
+        <p:spPr bwMode="auto">
+          <a:xfrm>
+            <a:off x="1550986" y="9150524"/>
+            <a:ext cx="8621714" cy="3327226"/>
+          </a:xfrm>
+          <a:prstGeom prst="roundRect">
+            <a:avLst/>
+          </a:prstGeom>
+          <a:solidFill>
+            <a:schemeClr val="accent1">
+              <a:alpha val="10000"/>
+            </a:schemeClr>
+          </a:solidFill>
+          <a:ln w="76200" cap="flat" cmpd="sng" algn="ctr">
+            <a:solidFill>
+              <a:schemeClr val="accent1"/>
+            </a:solidFill>
+            <a:prstDash val="solid"/>
+            <a:round/>
+            <a:headEnd type="none" w="med" len="med"/>
+            <a:tailEnd type="none" w="med" len="med"/>
+          </a:ln>
+          <a:effectLst/>
+        </p:spPr>
+        <p:txBody>
+          <a:bodyPr wrap="none" lIns="0" tIns="0" rIns="0" bIns="0" anchor="ctr"/>
+          <a:lstStyle/>
+          <a:p>
+            <a:pPr>
+              <a:buFont typeface="Wingdings" pitchFamily="2" charset="2"/>
+              <a:buNone/>
+              <a:defRPr/>
+            </a:pPr>
+            <a:endParaRPr lang="de-DE">
+              <a:latin typeface="Arial Unicode MS" pitchFamily="34" charset="-128"/>
+              <a:ea typeface="+mn-ea"/>
+              <a:cs typeface="+mn-cs"/>
+            </a:endParaRPr>
+          </a:p>
+        </p:txBody>
+      </p:sp>
+      <p:sp>
+        <p:nvSpPr>
+          <p:cNvPr id="22" name="Abgerundetes Rechteck 21">
+            <a:extLst>
+              <a:ext uri="{FF2B5EF4-FFF2-40B4-BE49-F238E27FC236}">
+                <a16:creationId xmlns:a16="http://schemas.microsoft.com/office/drawing/2014/main" id="{55254965-9705-BB43-9086-9273DABD2442}"/>
+              </a:ext>
+            </a:extLst>
+          </p:cNvPr>
+          <p:cNvSpPr/>
+          <p:nvPr/>
+        </p:nvSpPr>
+        <p:spPr bwMode="auto">
+          <a:xfrm>
+            <a:off x="1550986" y="12430300"/>
+            <a:ext cx="8621714" cy="252789"/>
+          </a:xfrm>
+          <a:prstGeom prst="roundRect">
+            <a:avLst/>
+          </a:prstGeom>
+          <a:solidFill>
+            <a:schemeClr val="accent1">
+              <a:alpha val="10000"/>
+            </a:schemeClr>
+          </a:solidFill>
+          <a:ln w="76200" cap="flat" cmpd="sng" algn="ctr">
+            <a:solidFill>
+              <a:schemeClr val="accent1"/>
+            </a:solidFill>
+            <a:prstDash val="solid"/>
+            <a:round/>
+            <a:headEnd type="none" w="med" len="med"/>
+            <a:tailEnd type="none" w="med" len="med"/>
+          </a:ln>
+          <a:effectLst/>
+        </p:spPr>
+        <p:txBody>
+          <a:bodyPr wrap="none" lIns="0" tIns="0" rIns="0" bIns="0" anchor="ctr"/>
+          <a:lstStyle/>
+          <a:p>
+            <a:pPr>
+              <a:buFont typeface="Wingdings" pitchFamily="2" charset="2"/>
+              <a:buNone/>
+              <a:defRPr/>
+            </a:pPr>
+            <a:endParaRPr lang="de-DE">
+              <a:latin typeface="Arial Unicode MS" pitchFamily="34" charset="-128"/>
+              <a:ea typeface="+mn-ea"/>
+              <a:cs typeface="+mn-cs"/>
+            </a:endParaRPr>
+          </a:p>
+        </p:txBody>
+      </p:sp>
+    </p:spTree>
+    <p:extLst>
+      <p:ext uri="{BB962C8B-B14F-4D97-AF65-F5344CB8AC3E}">
+        <p14:creationId xmlns:p14="http://schemas.microsoft.com/office/powerpoint/2010/main" val="3137854471"/>
+      </p:ext>
+    </p:extLst>
+  </p:cSld>
+  <p:clrMapOvr>
+    <a:masterClrMapping/>
+  </p:clrMapOvr>
+  <p:timing>
+    <p:tnLst>
+      <p:par>
+        <p:cTn id="1" dur="indefinite" restart="never" nodeType="tmRoot">
+          <p:childTnLst>
+            <p:seq concurrent="1" nextAc="seek">
+              <p:cTn id="2" dur="indefinite" nodeType="mainSeq">
+                <p:childTnLst>
+                  <p:par>
+                    <p:cTn id="3" fill="hold">
+                      <p:stCondLst>
+                        <p:cond delay="indefinite"/>
+                      </p:stCondLst>
+                      <p:childTnLst>
+                        <p:par>
+                          <p:cTn id="4" fill="hold">
+                            <p:stCondLst>
+                              <p:cond delay="0"/>
+                            </p:stCondLst>
+                            <p:childTnLst>
+                              <p:par>
+                                <p:cTn id="5" presetID="1" presetClass="entr" presetSubtype="0" fill="hold" grpId="0" nodeType="clickEffect">
+                                  <p:stCondLst>
+                                    <p:cond delay="0"/>
+                                  </p:stCondLst>
+                                  <p:childTnLst>
+                                    <p:set>
+                                      <p:cBhvr>
+                                        <p:cTn id="6" dur="1" fill="hold">
+                                          <p:stCondLst>
+                                            <p:cond delay="0"/>
+                                          </p:stCondLst>
+                                        </p:cTn>
+                                        <p:tgtEl>
+                                          <p:spTgt spid="14"/>
+                                        </p:tgtEl>
+                                        <p:attrNameLst>
+                                          <p:attrName>style.visibility</p:attrName>
+                                        </p:attrNameLst>
+                                      </p:cBhvr>
+                                      <p:to>
+                                        <p:strVal val="visible"/>
+                                      </p:to>
+                                    </p:set>
+                                  </p:childTnLst>
+                                  <p:subTnLst>
+                                    <p:set>
+                                      <p:cBhvr override="childStyle">
+                                        <p:cTn dur="1" fill="hold" display="0" masterRel="nextClick" afterEffect="1"/>
+                                        <p:tgtEl>
+                                          <p:spTgt spid="14"/>
+                                        </p:tgtEl>
+                                        <p:attrNameLst>
+                                          <p:attrName>style.visibility</p:attrName>
+                                        </p:attrNameLst>
+                                      </p:cBhvr>
+                                      <p:to>
+                                        <p:strVal val="hidden"/>
+                                      </p:to>
+                                    </p:set>
+                                  </p:subTnLst>
+                                </p:cTn>
+                              </p:par>
+                            </p:childTnLst>
+                          </p:cTn>
+                        </p:par>
+                      </p:childTnLst>
+                    </p:cTn>
+                  </p:par>
+                  <p:par>
+                    <p:cTn id="7" fill="hold">
+                      <p:stCondLst>
+                        <p:cond delay="indefinite"/>
+                      </p:stCondLst>
+                      <p:childTnLst>
+                        <p:par>
+                          <p:cTn id="8" fill="hold">
+                            <p:stCondLst>
+                              <p:cond delay="0"/>
+                            </p:stCondLst>
+                            <p:childTnLst>
+                              <p:par>
+                                <p:cTn id="9" presetID="1" presetClass="entr" presetSubtype="0" fill="hold" nodeType="clickEffect">
+                                  <p:stCondLst>
+                                    <p:cond delay="0"/>
+                                  </p:stCondLst>
+                                  <p:childTnLst>
+                                    <p:set>
+                                      <p:cBhvr>
+                                        <p:cTn id="10" dur="1" fill="hold">
+                                          <p:stCondLst>
+                                            <p:cond delay="0"/>
+                                          </p:stCondLst>
+                                        </p:cTn>
+                                        <p:tgtEl>
+                                          <p:spTgt spid="7"/>
+                                        </p:tgtEl>
+                                        <p:attrNameLst>
+                                          <p:attrName>style.visibility</p:attrName>
+                                        </p:attrNameLst>
+                                      </p:cBhvr>
+                                      <p:to>
+                                        <p:strVal val="visible"/>
+                                      </p:to>
+                                    </p:set>
+                                  </p:childTnLst>
+                                </p:cTn>
+                              </p:par>
+                            </p:childTnLst>
+                          </p:cTn>
+                        </p:par>
+                      </p:childTnLst>
+                    </p:cTn>
+                  </p:par>
+                  <p:par>
+                    <p:cTn id="11" fill="hold">
+                      <p:stCondLst>
+                        <p:cond delay="indefinite"/>
+                      </p:stCondLst>
+                      <p:childTnLst>
+                        <p:par>
+                          <p:cTn id="12" fill="hold">
+                            <p:stCondLst>
+                              <p:cond delay="0"/>
+                            </p:stCondLst>
+                            <p:childTnLst>
+                              <p:par>
+                                <p:cTn id="13" presetID="1" presetClass="entr" presetSubtype="0" fill="hold" grpId="0" nodeType="clickEffect">
+                                  <p:stCondLst>
+                                    <p:cond delay="0"/>
+                                  </p:stCondLst>
+                                  <p:childTnLst>
+                                    <p:set>
+                                      <p:cBhvr>
+                                        <p:cTn id="14" dur="1" fill="hold">
+                                          <p:stCondLst>
+                                            <p:cond delay="0"/>
+                                          </p:stCondLst>
+                                        </p:cTn>
+                                        <p:tgtEl>
+                                          <p:spTgt spid="16"/>
+                                        </p:tgtEl>
+                                        <p:attrNameLst>
+                                          <p:attrName>style.visibility</p:attrName>
+                                        </p:attrNameLst>
+                                      </p:cBhvr>
+                                      <p:to>
+                                        <p:strVal val="visible"/>
+                                      </p:to>
+                                    </p:set>
+                                  </p:childTnLst>
+                                  <p:subTnLst>
+                                    <p:set>
+                                      <p:cBhvr override="childStyle">
+                                        <p:cTn dur="1" fill="hold" display="0" masterRel="nextClick" afterEffect="1"/>
+                                        <p:tgtEl>
+                                          <p:spTgt spid="16"/>
+                                        </p:tgtEl>
+                                        <p:attrNameLst>
+                                          <p:attrName>style.visibility</p:attrName>
+                                        </p:attrNameLst>
+                                      </p:cBhvr>
+                                      <p:to>
+                                        <p:strVal val="hidden"/>
+                                      </p:to>
+                                    </p:set>
+                                  </p:subTnLst>
+                                </p:cTn>
+                              </p:par>
+                            </p:childTnLst>
+                          </p:cTn>
+                        </p:par>
+                      </p:childTnLst>
+                    </p:cTn>
+                  </p:par>
+                  <p:par>
+                    <p:cTn id="15" fill="hold">
+                      <p:stCondLst>
+                        <p:cond delay="indefinite"/>
+                      </p:stCondLst>
+                      <p:childTnLst>
+                        <p:par>
+                          <p:cTn id="16" fill="hold">
+                            <p:stCondLst>
+                              <p:cond delay="0"/>
+                            </p:stCondLst>
+                            <p:childTnLst>
+                              <p:par>
+                                <p:cTn id="17" presetID="1" presetClass="entr" presetSubtype="0" fill="hold" grpId="0" nodeType="clickEffect">
+                                  <p:stCondLst>
+                                    <p:cond delay="0"/>
+                                  </p:stCondLst>
+                                  <p:childTnLst>
+                                    <p:set>
+                                      <p:cBhvr>
+                                        <p:cTn id="18" dur="1" fill="hold">
+                                          <p:stCondLst>
+                                            <p:cond delay="0"/>
+                                          </p:stCondLst>
+                                        </p:cTn>
+                                        <p:tgtEl>
+                                          <p:spTgt spid="17"/>
+                                        </p:tgtEl>
+                                        <p:attrNameLst>
+                                          <p:attrName>style.visibility</p:attrName>
+                                        </p:attrNameLst>
+                                      </p:cBhvr>
+                                      <p:to>
+                                        <p:strVal val="visible"/>
+                                      </p:to>
+                                    </p:set>
+                                  </p:childTnLst>
+                                  <p:subTnLst>
+                                    <p:set>
+                                      <p:cBhvr override="childStyle">
+                                        <p:cTn dur="1" fill="hold" display="0" masterRel="nextClick" afterEffect="1"/>
+                                        <p:tgtEl>
+                                          <p:spTgt spid="17"/>
+                                        </p:tgtEl>
+                                        <p:attrNameLst>
+                                          <p:attrName>style.visibility</p:attrName>
+                                        </p:attrNameLst>
+                                      </p:cBhvr>
+                                      <p:to>
+                                        <p:strVal val="hidden"/>
+                                      </p:to>
+                                    </p:set>
+                                  </p:subTnLst>
+                                </p:cTn>
+                              </p:par>
+                            </p:childTnLst>
+                          </p:cTn>
+                        </p:par>
+                      </p:childTnLst>
+                    </p:cTn>
+                  </p:par>
+                  <p:par>
+                    <p:cTn id="19" fill="hold">
+                      <p:stCondLst>
+                        <p:cond delay="indefinite"/>
+                      </p:stCondLst>
+                      <p:childTnLst>
+                        <p:par>
+                          <p:cTn id="20" fill="hold">
+                            <p:stCondLst>
+                              <p:cond delay="0"/>
+                            </p:stCondLst>
+                            <p:childTnLst>
+                              <p:par>
+                                <p:cTn id="21" presetID="1" presetClass="entr" presetSubtype="0" fill="hold" grpId="0" nodeType="clickEffect">
+                                  <p:stCondLst>
+                                    <p:cond delay="0"/>
+                                  </p:stCondLst>
+                                  <p:childTnLst>
+                                    <p:set>
+                                      <p:cBhvr>
+                                        <p:cTn id="22" dur="1" fill="hold">
+                                          <p:stCondLst>
+                                            <p:cond delay="0"/>
+                                          </p:stCondLst>
+                                        </p:cTn>
+                                        <p:tgtEl>
+                                          <p:spTgt spid="18"/>
+                                        </p:tgtEl>
+                                        <p:attrNameLst>
+                                          <p:attrName>style.visibility</p:attrName>
+                                        </p:attrNameLst>
+                                      </p:cBhvr>
+                                      <p:to>
+                                        <p:strVal val="visible"/>
+                                      </p:to>
+                                    </p:set>
+                                  </p:childTnLst>
+                                  <p:subTnLst>
+                                    <p:set>
+                                      <p:cBhvr override="childStyle">
+                                        <p:cTn dur="1" fill="hold" display="0" masterRel="nextClick" afterEffect="1"/>
+                                        <p:tgtEl>
+                                          <p:spTgt spid="18"/>
+                                        </p:tgtEl>
+                                        <p:attrNameLst>
+                                          <p:attrName>style.visibility</p:attrName>
+                                        </p:attrNameLst>
+                                      </p:cBhvr>
+                                      <p:to>
+                                        <p:strVal val="hidden"/>
+                                      </p:to>
+                                    </p:set>
+                                  </p:subTnLst>
+                                </p:cTn>
+                              </p:par>
+                            </p:childTnLst>
+                          </p:cTn>
+                        </p:par>
+                      </p:childTnLst>
+                    </p:cTn>
+                  </p:par>
+                  <p:par>
+                    <p:cTn id="23" fill="hold">
+                      <p:stCondLst>
+                        <p:cond delay="indefinite"/>
+                      </p:stCondLst>
+                      <p:childTnLst>
+                        <p:par>
+                          <p:cTn id="24" fill="hold">
+                            <p:stCondLst>
+                              <p:cond delay="0"/>
+                            </p:stCondLst>
+                            <p:childTnLst>
+                              <p:par>
+                                <p:cTn id="25" presetID="1" presetClass="entr" presetSubtype="0" fill="hold" grpId="0" nodeType="clickEffect">
+                                  <p:stCondLst>
+                                    <p:cond delay="0"/>
+                                  </p:stCondLst>
+                                  <p:childTnLst>
+                                    <p:set>
+                                      <p:cBhvr>
+                                        <p:cTn id="26" dur="1" fill="hold">
+                                          <p:stCondLst>
+                                            <p:cond delay="0"/>
+                                          </p:stCondLst>
+                                        </p:cTn>
+                                        <p:tgtEl>
+                                          <p:spTgt spid="19"/>
+                                        </p:tgtEl>
+                                        <p:attrNameLst>
+                                          <p:attrName>style.visibility</p:attrName>
+                                        </p:attrNameLst>
+                                      </p:cBhvr>
+                                      <p:to>
+                                        <p:strVal val="visible"/>
+                                      </p:to>
+                                    </p:set>
+                                  </p:childTnLst>
+                                  <p:subTnLst>
+                                    <p:set>
+                                      <p:cBhvr override="childStyle">
+                                        <p:cTn dur="1" fill="hold" display="0" masterRel="nextClick" afterEffect="1"/>
+                                        <p:tgtEl>
+                                          <p:spTgt spid="19"/>
+                                        </p:tgtEl>
+                                        <p:attrNameLst>
+                                          <p:attrName>style.visibility</p:attrName>
+                                        </p:attrNameLst>
+                                      </p:cBhvr>
+                                      <p:to>
+                                        <p:strVal val="hidden"/>
+                                      </p:to>
+                                    </p:set>
+                                  </p:subTnLst>
+                                </p:cTn>
+                              </p:par>
+                            </p:childTnLst>
+                          </p:cTn>
+                        </p:par>
+                      </p:childTnLst>
+                    </p:cTn>
+                  </p:par>
+                  <p:par>
+                    <p:cTn id="27" fill="hold">
+                      <p:stCondLst>
+                        <p:cond delay="indefinite"/>
+                      </p:stCondLst>
+                      <p:childTnLst>
+                        <p:par>
+                          <p:cTn id="28" fill="hold">
+                            <p:stCondLst>
+                              <p:cond delay="0"/>
+                            </p:stCondLst>
+                            <p:childTnLst>
+                              <p:par>
+                                <p:cTn id="29" presetID="1" presetClass="entr" presetSubtype="0" fill="hold" grpId="0" nodeType="clickEffect">
+                                  <p:stCondLst>
+                                    <p:cond delay="0"/>
+                                  </p:stCondLst>
+                                  <p:childTnLst>
+                                    <p:set>
+                                      <p:cBhvr>
+                                        <p:cTn id="30" dur="1" fill="hold">
+                                          <p:stCondLst>
+                                            <p:cond delay="0"/>
+                                          </p:stCondLst>
+                                        </p:cTn>
+                                        <p:tgtEl>
+                                          <p:spTgt spid="20"/>
+                                        </p:tgtEl>
+                                        <p:attrNameLst>
+                                          <p:attrName>style.visibility</p:attrName>
+                                        </p:attrNameLst>
+                                      </p:cBhvr>
+                                      <p:to>
+                                        <p:strVal val="visible"/>
+                                      </p:to>
+                                    </p:set>
+                                  </p:childTnLst>
+                                  <p:subTnLst>
+                                    <p:set>
+                                      <p:cBhvr override="childStyle">
+                                        <p:cTn dur="1" fill="hold" display="0" masterRel="nextClick" afterEffect="1"/>
+                                        <p:tgtEl>
+                                          <p:spTgt spid="20"/>
+                                        </p:tgtEl>
+                                        <p:attrNameLst>
+                                          <p:attrName>style.visibility</p:attrName>
+                                        </p:attrNameLst>
+                                      </p:cBhvr>
+                                      <p:to>
+                                        <p:strVal val="hidden"/>
+                                      </p:to>
+                                    </p:set>
+                                  </p:subTnLst>
+                                </p:cTn>
+                              </p:par>
+                            </p:childTnLst>
+                          </p:cTn>
+                        </p:par>
+                      </p:childTnLst>
+                    </p:cTn>
+                  </p:par>
+                  <p:par>
+                    <p:cTn id="31" fill="hold">
+                      <p:stCondLst>
+                        <p:cond delay="indefinite"/>
+                      </p:stCondLst>
+                      <p:childTnLst>
+                        <p:par>
+                          <p:cTn id="32" fill="hold">
+                            <p:stCondLst>
+                              <p:cond delay="0"/>
+                            </p:stCondLst>
+                            <p:childTnLst>
+                              <p:par>
+                                <p:cTn id="33" presetID="1" presetClass="entr" presetSubtype="0" fill="hold" grpId="0" nodeType="clickEffect">
+                                  <p:stCondLst>
+                                    <p:cond delay="0"/>
+                                  </p:stCondLst>
+                                  <p:childTnLst>
+                                    <p:set>
+                                      <p:cBhvr>
+                                        <p:cTn id="34" dur="1" fill="hold">
+                                          <p:stCondLst>
+                                            <p:cond delay="0"/>
+                                          </p:stCondLst>
+                                        </p:cTn>
+                                        <p:tgtEl>
+                                          <p:spTgt spid="21"/>
+                                        </p:tgtEl>
+                                        <p:attrNameLst>
+                                          <p:attrName>style.visibility</p:attrName>
+                                        </p:attrNameLst>
+                                      </p:cBhvr>
+                                      <p:to>
+                                        <p:strVal val="visible"/>
+                                      </p:to>
+                                    </p:set>
+                                  </p:childTnLst>
+                                  <p:subTnLst>
+                                    <p:set>
+                                      <p:cBhvr override="childStyle">
+                                        <p:cTn dur="1" fill="hold" display="0" masterRel="nextClick" afterEffect="1"/>
+                                        <p:tgtEl>
+                                          <p:spTgt spid="21"/>
+                                        </p:tgtEl>
+                                        <p:attrNameLst>
+                                          <p:attrName>style.visibility</p:attrName>
+                                        </p:attrNameLst>
+                                      </p:cBhvr>
+                                      <p:to>
+                                        <p:strVal val="hidden"/>
+                                      </p:to>
+                                    </p:set>
+                                  </p:subTnLst>
+                                </p:cTn>
+                              </p:par>
+                            </p:childTnLst>
+                          </p:cTn>
+                        </p:par>
+                      </p:childTnLst>
+                    </p:cTn>
+                  </p:par>
+                  <p:par>
+                    <p:cTn id="35" fill="hold">
+                      <p:stCondLst>
+                        <p:cond delay="indefinite"/>
+                      </p:stCondLst>
+                      <p:childTnLst>
+                        <p:par>
+                          <p:cTn id="36" fill="hold">
+                            <p:stCondLst>
+                              <p:cond delay="0"/>
+                            </p:stCondLst>
+                            <p:childTnLst>
+                              <p:par>
+                                <p:cTn id="37" presetID="1" presetClass="entr" presetSubtype="0" fill="hold" grpId="0" nodeType="clickEffect">
+                                  <p:stCondLst>
+                                    <p:cond delay="0"/>
+                                  </p:stCondLst>
+                                  <p:childTnLst>
+                                    <p:set>
+                                      <p:cBhvr>
+                                        <p:cTn id="38" dur="1" fill="hold">
+                                          <p:stCondLst>
+                                            <p:cond delay="0"/>
+                                          </p:stCondLst>
+                                        </p:cTn>
+                                        <p:tgtEl>
+                                          <p:spTgt spid="22"/>
+                                        </p:tgtEl>
+                                        <p:attrNameLst>
+                                          <p:attrName>style.visibility</p:attrName>
+                                        </p:attrNameLst>
+                                      </p:cBhvr>
+                                      <p:to>
+                                        <p:strVal val="visible"/>
+                                      </p:to>
+                                    </p:set>
+                                  </p:childTnLst>
+                                  <p:subTnLst>
+                                    <p:set>
+                                      <p:cBhvr override="childStyle">
+                                        <p:cTn dur="1" fill="hold" display="0" masterRel="nextClick" afterEffect="1"/>
+                                        <p:tgtEl>
+                                          <p:spTgt spid="22"/>
+                                        </p:tgtEl>
+                                        <p:attrNameLst>
+                                          <p:attrName>style.visibility</p:attrName>
+                                        </p:attrNameLst>
+                                      </p:cBhvr>
+                                      <p:to>
+                                        <p:strVal val="hidden"/>
+                                      </p:to>
+                                    </p:set>
+                                  </p:subTnLst>
+                                </p:cTn>
+                              </p:par>
+                            </p:childTnLst>
+                          </p:cTn>
+                        </p:par>
+                      </p:childTnLst>
+                    </p:cTn>
+                  </p:par>
+                </p:childTnLst>
+              </p:cTn>
+              <p:prevCondLst>
+                <p:cond evt="onPrev" delay="0">
+                  <p:tgtEl>
+                    <p:sldTgt/>
+                  </p:tgtEl>
+                </p:cond>
+              </p:prevCondLst>
+              <p:nextCondLst>
+                <p:cond evt="onNext" delay="0">
+                  <p:tgtEl>
+                    <p:sldTgt/>
+                  </p:tgtEl>
+                </p:cond>
+              </p:nextCondLst>
+            </p:seq>
+          </p:childTnLst>
+        </p:cTn>
+      </p:par>
+    </p:tnLst>
+    <p:bldLst>
+      <p:bldP spid="14" grpId="0" animBg="1"/>
+      <p:bldP spid="16" grpId="0" animBg="1"/>
+      <p:bldP spid="17" grpId="0" animBg="1"/>
+      <p:bldP spid="18" grpId="0" animBg="1"/>
+      <p:bldP spid="19" grpId="0" animBg="1"/>
+      <p:bldP spid="20" grpId="0" animBg="1"/>
+      <p:bldP spid="21" grpId="0" animBg="1"/>
+      <p:bldP spid="22" grpId="0" animBg="1"/>
+    </p:bldLst>
+  </p:timing>
+</p:sld>
+</file>
+
+<file path=ppt/slides/slide23.xml><?xml version="1.0" encoding="utf-8"?>
+<p:sld xmlns:a="http://schemas.openxmlformats.org/drawingml/2006/main" xmlns:r="http://schemas.openxmlformats.org/officeDocument/2006/relationships" xmlns:p="http://schemas.openxmlformats.org/presentationml/2006/main">
+  <p:cSld>
+    <p:spTree>
+      <p:nvGrpSpPr>
+        <p:cNvPr id="1" name=""/>
+        <p:cNvGrpSpPr/>
+        <p:nvPr/>
+      </p:nvGrpSpPr>
+      <p:grpSpPr>
+        <a:xfrm>
+          <a:off x="0" y="0"/>
+          <a:ext cx="0" cy="0"/>
+          <a:chOff x="0" y="0"/>
+          <a:chExt cx="0" cy="0"/>
+        </a:xfrm>
+      </p:grpSpPr>
+      <p:pic>
+        <p:nvPicPr>
+          <p:cNvPr id="5" name="Grafik 4">
+            <a:extLst>
+              <a:ext uri="{FF2B5EF4-FFF2-40B4-BE49-F238E27FC236}">
+                <a16:creationId xmlns:a16="http://schemas.microsoft.com/office/drawing/2014/main" id="{945D7483-20B2-6A48-A0F1-AA030ACA6B45}"/>
+              </a:ext>
+            </a:extLst>
+          </p:cNvPr>
+          <p:cNvPicPr>
+            <a:picLocks noChangeAspect="1"/>
+          </p:cNvPicPr>
+          <p:nvPr/>
+        </p:nvPicPr>
+        <p:blipFill>
+          <a:blip r:embed="rId2"/>
+          <a:stretch>
+            <a:fillRect/>
+          </a:stretch>
+        </p:blipFill>
+        <p:spPr>
+          <a:xfrm>
+            <a:off x="18983739" y="237987"/>
+            <a:ext cx="4954035" cy="13222640"/>
+          </a:xfrm>
+          <a:prstGeom prst="rect">
+            <a:avLst/>
+          </a:prstGeom>
+          <a:ln>
+            <a:solidFill>
+              <a:schemeClr val="accent1"/>
+            </a:solidFill>
+          </a:ln>
+        </p:spPr>
+      </p:pic>
+      <p:sp>
+        <p:nvSpPr>
+          <p:cNvPr id="2" name="Titel 1">
+            <a:extLst>
+              <a:ext uri="{FF2B5EF4-FFF2-40B4-BE49-F238E27FC236}">
+                <a16:creationId xmlns:a16="http://schemas.microsoft.com/office/drawing/2014/main" id="{574A5A47-A541-3E45-B751-829AFEFFBCB3}"/>
+              </a:ext>
+            </a:extLst>
+          </p:cNvPr>
+          <p:cNvSpPr>
+            <a:spLocks noGrp="1"/>
+          </p:cNvSpPr>
+          <p:nvPr>
+            <p:ph type="title"/>
+          </p:nvPr>
+        </p:nvSpPr>
+        <p:spPr/>
+        <p:txBody>
+          <a:bodyPr>
+            <a:normAutofit/>
+          </a:bodyPr>
+          <a:lstStyle/>
+          <a:p>
+            <a:r>
+              <a:rPr lang="de-DE" dirty="0"/>
+              <a:t>The Solution - INSTALLER</a:t>
+            </a:r>
+          </a:p>
+        </p:txBody>
+      </p:sp>
+      <p:sp>
+        <p:nvSpPr>
+          <p:cNvPr id="3" name="Inhaltsplatzhalter 2">
+            <a:extLst>
+              <a:ext uri="{FF2B5EF4-FFF2-40B4-BE49-F238E27FC236}">
+                <a16:creationId xmlns:a16="http://schemas.microsoft.com/office/drawing/2014/main" id="{F9D2D66F-04F0-0640-BA49-C0428BDC8D3C}"/>
+              </a:ext>
+            </a:extLst>
+          </p:cNvPr>
+          <p:cNvSpPr>
+            <a:spLocks noGrp="1"/>
+          </p:cNvSpPr>
+          <p:nvPr>
+            <p:ph idx="1"/>
+          </p:nvPr>
+        </p:nvSpPr>
+        <p:spPr>
+          <a:xfrm>
+            <a:off x="1219359" y="2354905"/>
+            <a:ext cx="15323371" cy="9897422"/>
+          </a:xfrm>
+        </p:spPr>
+        <p:txBody>
+          <a:bodyPr>
+            <a:normAutofit/>
+          </a:bodyPr>
+          <a:lstStyle/>
+          <a:p>
+            <a:pPr marL="0" indent="0">
+              <a:buNone/>
+            </a:pPr>
+            <a:r>
+              <a:rPr lang="de-DE" dirty="0"/>
+              <a:t>1.copy-patch-files.sh</a:t>
+            </a:r>
+          </a:p>
+          <a:p>
+            <a:pPr lvl="1"/>
+            <a:r>
+              <a:rPr lang="de-DE" dirty="0" err="1"/>
+              <a:t>Copies</a:t>
+            </a:r>
+            <a:r>
+              <a:rPr lang="de-DE" dirty="0"/>
+              <a:t> </a:t>
+            </a:r>
+            <a:r>
+              <a:rPr lang="de-DE" dirty="0" err="1"/>
+              <a:t>files</a:t>
+            </a:r>
+            <a:r>
+              <a:rPr lang="de-DE" dirty="0"/>
+              <a:t> </a:t>
+            </a:r>
+            <a:r>
+              <a:rPr lang="de-DE" dirty="0" err="1"/>
+              <a:t>from</a:t>
+            </a:r>
+            <a:r>
+              <a:rPr lang="de-DE" dirty="0"/>
+              <a:t> </a:t>
+            </a:r>
+            <a:r>
+              <a:rPr lang="de-DE" dirty="0" err="1"/>
+              <a:t>the</a:t>
+            </a:r>
+            <a:r>
+              <a:rPr lang="de-DE" dirty="0"/>
+              <a:t> </a:t>
+            </a:r>
+            <a:r>
+              <a:rPr lang="de-DE" dirty="0" err="1"/>
+              <a:t>source</a:t>
+            </a:r>
+            <a:r>
+              <a:rPr lang="de-DE" dirty="0"/>
+              <a:t> </a:t>
+            </a:r>
+            <a:r>
+              <a:rPr lang="de-DE" dirty="0" err="1"/>
+              <a:t>tree</a:t>
+            </a:r>
+            <a:r>
+              <a:rPr lang="de-DE" dirty="0"/>
+              <a:t> </a:t>
+            </a:r>
+            <a:r>
+              <a:rPr lang="de-DE" dirty="0" err="1"/>
+              <a:t>to</a:t>
+            </a:r>
+            <a:r>
+              <a:rPr lang="de-DE" dirty="0"/>
+              <a:t> a </a:t>
+            </a:r>
+            <a:r>
+              <a:rPr lang="de-DE" dirty="0" err="1"/>
+              <a:t>target</a:t>
+            </a:r>
+            <a:r>
+              <a:rPr lang="de-DE" dirty="0"/>
+              <a:t> </a:t>
+            </a:r>
+            <a:r>
+              <a:rPr lang="de-DE" dirty="0" err="1"/>
+              <a:t>tree</a:t>
+            </a:r>
+            <a:endParaRPr lang="de-DE" dirty="0"/>
+          </a:p>
+        </p:txBody>
+      </p:sp>
+      <p:pic>
+        <p:nvPicPr>
+          <p:cNvPr id="4" name="Grafik 3">
+            <a:extLst>
+              <a:ext uri="{FF2B5EF4-FFF2-40B4-BE49-F238E27FC236}">
+                <a16:creationId xmlns:a16="http://schemas.microsoft.com/office/drawing/2014/main" id="{B6FA3B7D-B560-9940-BECA-7C5B818267FC}"/>
+              </a:ext>
+            </a:extLst>
+          </p:cNvPr>
+          <p:cNvPicPr>
+            <a:picLocks noChangeAspect="1"/>
+          </p:cNvPicPr>
+          <p:nvPr/>
+        </p:nvPicPr>
+        <p:blipFill>
+          <a:blip r:embed="rId3"/>
+          <a:stretch>
+            <a:fillRect/>
+          </a:stretch>
+        </p:blipFill>
+        <p:spPr>
+          <a:xfrm>
+            <a:off x="1500186" y="7260159"/>
+            <a:ext cx="5816600" cy="6057900"/>
+          </a:xfrm>
+          <a:prstGeom prst="rect">
+            <a:avLst/>
+          </a:prstGeom>
+          <a:ln>
+            <a:solidFill>
+              <a:schemeClr val="accent1"/>
+            </a:solidFill>
+          </a:ln>
+        </p:spPr>
+      </p:pic>
+      <p:pic>
+        <p:nvPicPr>
+          <p:cNvPr id="6" name="Grafik 5">
+            <a:extLst>
+              <a:ext uri="{FF2B5EF4-FFF2-40B4-BE49-F238E27FC236}">
+                <a16:creationId xmlns:a16="http://schemas.microsoft.com/office/drawing/2014/main" id="{C1C7A730-CD3B-CC43-B446-EDD7FC0E268E}"/>
+              </a:ext>
+            </a:extLst>
+          </p:cNvPr>
+          <p:cNvPicPr>
+            <a:picLocks noChangeAspect="1"/>
+          </p:cNvPicPr>
+          <p:nvPr/>
+        </p:nvPicPr>
+        <p:blipFill>
+          <a:blip r:embed="rId4"/>
+          <a:stretch>
+            <a:fillRect/>
+          </a:stretch>
+        </p:blipFill>
+        <p:spPr>
+          <a:xfrm>
+            <a:off x="1500186" y="5730872"/>
+            <a:ext cx="11434764" cy="1182270"/>
+          </a:xfrm>
+          <a:prstGeom prst="rect">
+            <a:avLst/>
+          </a:prstGeom>
+          <a:ln>
+            <a:solidFill>
+              <a:schemeClr val="accent1"/>
+            </a:solidFill>
+          </a:ln>
+        </p:spPr>
+      </p:pic>
+      <p:sp>
+        <p:nvSpPr>
+          <p:cNvPr id="13" name="Abgerundetes Rechteck 12">
+            <a:extLst>
+              <a:ext uri="{FF2B5EF4-FFF2-40B4-BE49-F238E27FC236}">
+                <a16:creationId xmlns:a16="http://schemas.microsoft.com/office/drawing/2014/main" id="{66F66AD9-9D99-9D4E-91CD-A9CA2147B553}"/>
+              </a:ext>
+            </a:extLst>
+          </p:cNvPr>
+          <p:cNvSpPr/>
+          <p:nvPr/>
+        </p:nvSpPr>
+        <p:spPr bwMode="auto">
+          <a:xfrm>
+            <a:off x="1404937" y="7943850"/>
+            <a:ext cx="4081464" cy="781050"/>
+          </a:xfrm>
+          <a:prstGeom prst="roundRect">
+            <a:avLst/>
+          </a:prstGeom>
+          <a:solidFill>
+            <a:schemeClr val="accent1">
+              <a:alpha val="10000"/>
+            </a:schemeClr>
+          </a:solidFill>
+          <a:ln w="76200" cap="flat" cmpd="sng" algn="ctr">
+            <a:solidFill>
+              <a:schemeClr val="accent1"/>
+            </a:solidFill>
+            <a:prstDash val="solid"/>
+            <a:round/>
+            <a:headEnd type="none" w="med" len="med"/>
+            <a:tailEnd type="none" w="med" len="med"/>
+          </a:ln>
+          <a:effectLst/>
+        </p:spPr>
+        <p:txBody>
+          <a:bodyPr wrap="none" lIns="0" tIns="0" rIns="0" bIns="0" anchor="ctr"/>
+          <a:lstStyle/>
+          <a:p>
+            <a:pPr>
+              <a:buFont typeface="Wingdings" pitchFamily="2" charset="2"/>
+              <a:buNone/>
+              <a:defRPr/>
+            </a:pPr>
+            <a:endParaRPr lang="de-DE">
+              <a:latin typeface="Arial Unicode MS" pitchFamily="34" charset="-128"/>
+              <a:ea typeface="+mn-ea"/>
+              <a:cs typeface="+mn-cs"/>
+            </a:endParaRPr>
+          </a:p>
+        </p:txBody>
+      </p:sp>
+      <p:sp>
+        <p:nvSpPr>
+          <p:cNvPr id="10" name="Abgerundetes Rechteck 9">
+            <a:extLst>
+              <a:ext uri="{FF2B5EF4-FFF2-40B4-BE49-F238E27FC236}">
+                <a16:creationId xmlns:a16="http://schemas.microsoft.com/office/drawing/2014/main" id="{445AEB53-7546-BC40-8BC9-4C80EF71F64E}"/>
+              </a:ext>
+            </a:extLst>
+          </p:cNvPr>
+          <p:cNvSpPr/>
+          <p:nvPr/>
+        </p:nvSpPr>
+        <p:spPr bwMode="auto">
+          <a:xfrm>
+            <a:off x="1404937" y="11613618"/>
+            <a:ext cx="4081464" cy="781050"/>
+          </a:xfrm>
+          <a:prstGeom prst="roundRect">
+            <a:avLst/>
+          </a:prstGeom>
+          <a:solidFill>
+            <a:schemeClr val="accent1">
+              <a:alpha val="10000"/>
+            </a:schemeClr>
+          </a:solidFill>
+          <a:ln w="76200" cap="flat" cmpd="sng" algn="ctr">
+            <a:solidFill>
+              <a:schemeClr val="accent1"/>
+            </a:solidFill>
+            <a:prstDash val="solid"/>
+            <a:round/>
+            <a:headEnd type="none" w="med" len="med"/>
+            <a:tailEnd type="none" w="med" len="med"/>
+          </a:ln>
+          <a:effectLst/>
+        </p:spPr>
+        <p:txBody>
+          <a:bodyPr wrap="none" lIns="0" tIns="0" rIns="0" bIns="0" anchor="ctr"/>
+          <a:lstStyle/>
+          <a:p>
+            <a:pPr>
+              <a:buFont typeface="Wingdings" pitchFamily="2" charset="2"/>
+              <a:buNone/>
+              <a:defRPr/>
+            </a:pPr>
+            <a:endParaRPr lang="de-DE">
+              <a:latin typeface="Arial Unicode MS" pitchFamily="34" charset="-128"/>
+              <a:ea typeface="+mn-ea"/>
+              <a:cs typeface="+mn-cs"/>
+            </a:endParaRPr>
+          </a:p>
+        </p:txBody>
+      </p:sp>
+      <p:sp>
+        <p:nvSpPr>
+          <p:cNvPr id="11" name="Abgerundetes Rechteck 10">
+            <a:extLst>
+              <a:ext uri="{FF2B5EF4-FFF2-40B4-BE49-F238E27FC236}">
+                <a16:creationId xmlns:a16="http://schemas.microsoft.com/office/drawing/2014/main" id="{EA89875F-83C1-E14B-9348-6A14FFF9246B}"/>
+              </a:ext>
+            </a:extLst>
+          </p:cNvPr>
+          <p:cNvSpPr/>
+          <p:nvPr/>
+        </p:nvSpPr>
+        <p:spPr bwMode="auto">
+          <a:xfrm>
+            <a:off x="1404937" y="12577373"/>
+            <a:ext cx="4081464" cy="781050"/>
+          </a:xfrm>
+          <a:prstGeom prst="roundRect">
+            <a:avLst/>
+          </a:prstGeom>
+          <a:solidFill>
+            <a:schemeClr val="accent1">
+              <a:alpha val="10000"/>
+            </a:schemeClr>
+          </a:solidFill>
+          <a:ln w="76200" cap="flat" cmpd="sng" algn="ctr">
+            <a:solidFill>
+              <a:schemeClr val="accent1"/>
+            </a:solidFill>
+            <a:prstDash val="solid"/>
+            <a:round/>
+            <a:headEnd type="none" w="med" len="med"/>
+            <a:tailEnd type="none" w="med" len="med"/>
+          </a:ln>
+          <a:effectLst/>
+        </p:spPr>
+        <p:txBody>
+          <a:bodyPr wrap="none" lIns="0" tIns="0" rIns="0" bIns="0" anchor="ctr"/>
+          <a:lstStyle/>
+          <a:p>
+            <a:pPr>
+              <a:buFont typeface="Wingdings" pitchFamily="2" charset="2"/>
+              <a:buNone/>
+              <a:defRPr/>
+            </a:pPr>
+            <a:endParaRPr lang="de-DE">
+              <a:latin typeface="Arial Unicode MS" pitchFamily="34" charset="-128"/>
+              <a:ea typeface="+mn-ea"/>
+              <a:cs typeface="+mn-cs"/>
+            </a:endParaRPr>
+          </a:p>
+        </p:txBody>
+      </p:sp>
+      <p:sp>
+        <p:nvSpPr>
+          <p:cNvPr id="14" name="Abgerundetes Rechteck 13">
+            <a:extLst>
+              <a:ext uri="{FF2B5EF4-FFF2-40B4-BE49-F238E27FC236}">
+                <a16:creationId xmlns:a16="http://schemas.microsoft.com/office/drawing/2014/main" id="{24694C76-48AC-7E4A-BA74-FAA15CA38AEB}"/>
+              </a:ext>
+            </a:extLst>
+          </p:cNvPr>
+          <p:cNvSpPr/>
+          <p:nvPr/>
+        </p:nvSpPr>
+        <p:spPr bwMode="auto">
+          <a:xfrm>
+            <a:off x="19635787" y="549276"/>
+            <a:ext cx="4081464" cy="365124"/>
+          </a:xfrm>
+          <a:prstGeom prst="roundRect">
+            <a:avLst/>
+          </a:prstGeom>
+          <a:solidFill>
+            <a:schemeClr val="accent1">
+              <a:alpha val="10000"/>
+            </a:schemeClr>
+          </a:solidFill>
+          <a:ln w="76200" cap="flat" cmpd="sng" algn="ctr">
+            <a:solidFill>
+              <a:schemeClr val="accent1"/>
+            </a:solidFill>
+            <a:prstDash val="solid"/>
+            <a:round/>
+            <a:headEnd type="none" w="med" len="med"/>
+            <a:tailEnd type="none" w="med" len="med"/>
+          </a:ln>
+          <a:effectLst/>
+        </p:spPr>
+        <p:txBody>
+          <a:bodyPr wrap="none" lIns="0" tIns="0" rIns="0" bIns="0" anchor="ctr"/>
+          <a:lstStyle/>
+          <a:p>
+            <a:pPr>
+              <a:buFont typeface="Wingdings" pitchFamily="2" charset="2"/>
+              <a:buNone/>
+              <a:defRPr/>
+            </a:pPr>
+            <a:endParaRPr lang="de-DE">
+              <a:latin typeface="Arial Unicode MS" pitchFamily="34" charset="-128"/>
+              <a:ea typeface="+mn-ea"/>
+              <a:cs typeface="+mn-cs"/>
+            </a:endParaRPr>
+          </a:p>
+        </p:txBody>
+      </p:sp>
+      <p:sp>
+        <p:nvSpPr>
+          <p:cNvPr id="15" name="Abgerundetes Rechteck 14">
+            <a:extLst>
+              <a:ext uri="{FF2B5EF4-FFF2-40B4-BE49-F238E27FC236}">
+                <a16:creationId xmlns:a16="http://schemas.microsoft.com/office/drawing/2014/main" id="{7B9E71AE-ABD4-6246-9281-B45BB2EA5A82}"/>
+              </a:ext>
+            </a:extLst>
+          </p:cNvPr>
+          <p:cNvSpPr/>
+          <p:nvPr/>
+        </p:nvSpPr>
+        <p:spPr bwMode="auto">
+          <a:xfrm>
+            <a:off x="19635787" y="3273426"/>
+            <a:ext cx="4081464" cy="365124"/>
+          </a:xfrm>
+          <a:prstGeom prst="roundRect">
+            <a:avLst/>
+          </a:prstGeom>
+          <a:solidFill>
+            <a:schemeClr val="accent1">
+              <a:alpha val="10000"/>
+            </a:schemeClr>
+          </a:solidFill>
+          <a:ln w="76200" cap="flat" cmpd="sng" algn="ctr">
+            <a:solidFill>
+              <a:schemeClr val="accent1"/>
+            </a:solidFill>
+            <a:prstDash val="solid"/>
+            <a:round/>
+            <a:headEnd type="none" w="med" len="med"/>
+            <a:tailEnd type="none" w="med" len="med"/>
+          </a:ln>
+          <a:effectLst/>
+        </p:spPr>
+        <p:txBody>
+          <a:bodyPr wrap="none" lIns="0" tIns="0" rIns="0" bIns="0" anchor="ctr"/>
+          <a:lstStyle/>
+          <a:p>
+            <a:pPr>
+              <a:buFont typeface="Wingdings" pitchFamily="2" charset="2"/>
+              <a:buNone/>
+              <a:defRPr/>
+            </a:pPr>
+            <a:endParaRPr lang="de-DE">
+              <a:latin typeface="Arial Unicode MS" pitchFamily="34" charset="-128"/>
+              <a:ea typeface="+mn-ea"/>
+              <a:cs typeface="+mn-cs"/>
+            </a:endParaRPr>
+          </a:p>
+        </p:txBody>
+      </p:sp>
+      <p:pic>
+        <p:nvPicPr>
+          <p:cNvPr id="8" name="Grafik 7">
+            <a:extLst>
+              <a:ext uri="{FF2B5EF4-FFF2-40B4-BE49-F238E27FC236}">
+                <a16:creationId xmlns:a16="http://schemas.microsoft.com/office/drawing/2014/main" id="{561C7D41-5A13-7140-89C5-1948257B9F63}"/>
+              </a:ext>
+            </a:extLst>
+          </p:cNvPr>
+          <p:cNvPicPr>
+            <a:picLocks noChangeAspect="1"/>
+          </p:cNvPicPr>
+          <p:nvPr/>
+        </p:nvPicPr>
+        <p:blipFill>
+          <a:blip r:embed="rId5"/>
+          <a:stretch>
+            <a:fillRect/>
+          </a:stretch>
+        </p:blipFill>
+        <p:spPr>
+          <a:xfrm>
+            <a:off x="7927410" y="7260158"/>
+            <a:ext cx="10221834" cy="6057899"/>
+          </a:xfrm>
+          <a:prstGeom prst="rect">
+            <a:avLst/>
+          </a:prstGeom>
+        </p:spPr>
+      </p:pic>
+    </p:spTree>
+    <p:extLst>
+      <p:ext uri="{BB962C8B-B14F-4D97-AF65-F5344CB8AC3E}">
+        <p14:creationId xmlns:p14="http://schemas.microsoft.com/office/powerpoint/2010/main" val="3567669222"/>
+      </p:ext>
+    </p:extLst>
+  </p:cSld>
+  <p:clrMapOvr>
+    <a:masterClrMapping/>
+  </p:clrMapOvr>
+  <p:timing>
+    <p:tnLst>
+      <p:par>
+        <p:cTn id="1" dur="indefinite" restart="never" nodeType="tmRoot">
+          <p:childTnLst>
+            <p:seq concurrent="1" nextAc="seek">
+              <p:cTn id="2" dur="indefinite" nodeType="mainSeq">
+                <p:childTnLst>
+                  <p:par>
+                    <p:cTn id="3" fill="hold">
+                      <p:stCondLst>
+                        <p:cond delay="indefinite"/>
+                      </p:stCondLst>
+                      <p:childTnLst>
+                        <p:par>
+                          <p:cTn id="4" fill="hold">
+                            <p:stCondLst>
+                              <p:cond delay="0"/>
+                            </p:stCondLst>
+                            <p:childTnLst>
+                              <p:par>
+                                <p:cTn id="5" presetID="1" presetClass="entr" presetSubtype="0" fill="hold" grpId="0" nodeType="clickEffect">
+                                  <p:stCondLst>
+                                    <p:cond delay="0"/>
+                                  </p:stCondLst>
+                                  <p:childTnLst>
+                                    <p:set>
+                                      <p:cBhvr>
+                                        <p:cTn id="6" dur="1" fill="hold">
+                                          <p:stCondLst>
+                                            <p:cond delay="0"/>
+                                          </p:stCondLst>
+                                        </p:cTn>
+                                        <p:tgtEl>
+                                          <p:spTgt spid="14"/>
+                                        </p:tgtEl>
+                                        <p:attrNameLst>
+                                          <p:attrName>style.visibility</p:attrName>
+                                        </p:attrNameLst>
+                                      </p:cBhvr>
+                                      <p:to>
+                                        <p:strVal val="visible"/>
+                                      </p:to>
+                                    </p:set>
+                                  </p:childTnLst>
+                                  <p:subTnLst>
+                                    <p:set>
+                                      <p:cBhvr override="childStyle">
+                                        <p:cTn dur="1" fill="hold" display="0" masterRel="nextClick" afterEffect="1"/>
+                                        <p:tgtEl>
+                                          <p:spTgt spid="14"/>
+                                        </p:tgtEl>
+                                        <p:attrNameLst>
+                                          <p:attrName>style.visibility</p:attrName>
+                                        </p:attrNameLst>
+                                      </p:cBhvr>
+                                      <p:to>
+                                        <p:strVal val="hidden"/>
+                                      </p:to>
+                                    </p:set>
+                                  </p:subTnLst>
+                                </p:cTn>
+                              </p:par>
+                            </p:childTnLst>
+                          </p:cTn>
+                        </p:par>
+                      </p:childTnLst>
+                    </p:cTn>
+                  </p:par>
+                  <p:par>
+                    <p:cTn id="7" fill="hold">
+                      <p:stCondLst>
+                        <p:cond delay="indefinite"/>
+                      </p:stCondLst>
+                      <p:childTnLst>
+                        <p:par>
+                          <p:cTn id="8" fill="hold">
+                            <p:stCondLst>
+                              <p:cond delay="0"/>
+                            </p:stCondLst>
+                            <p:childTnLst>
+                              <p:par>
+                                <p:cTn id="9" presetID="1" presetClass="entr" presetSubtype="0" fill="hold" nodeType="clickEffect">
+                                  <p:stCondLst>
+                                    <p:cond delay="0"/>
+                                  </p:stCondLst>
+                                  <p:childTnLst>
+                                    <p:set>
+                                      <p:cBhvr>
+                                        <p:cTn id="10" dur="1" fill="hold">
+                                          <p:stCondLst>
+                                            <p:cond delay="0"/>
+                                          </p:stCondLst>
+                                        </p:cTn>
+                                        <p:tgtEl>
+                                          <p:spTgt spid="6"/>
+                                        </p:tgtEl>
+                                        <p:attrNameLst>
+                                          <p:attrName>style.visibility</p:attrName>
+                                        </p:attrNameLst>
+                                      </p:cBhvr>
+                                      <p:to>
+                                        <p:strVal val="visible"/>
+                                      </p:to>
+                                    </p:set>
+                                  </p:childTnLst>
+                                </p:cTn>
+                              </p:par>
+                            </p:childTnLst>
+                          </p:cTn>
+                        </p:par>
+                      </p:childTnLst>
+                    </p:cTn>
+                  </p:par>
+                  <p:par>
+                    <p:cTn id="11" fill="hold">
+                      <p:stCondLst>
+                        <p:cond delay="indefinite"/>
+                      </p:stCondLst>
+                      <p:childTnLst>
+                        <p:par>
+                          <p:cTn id="12" fill="hold">
+                            <p:stCondLst>
+                              <p:cond delay="0"/>
+                            </p:stCondLst>
+                            <p:childTnLst>
+                              <p:par>
+                                <p:cTn id="13" presetID="1" presetClass="entr" presetSubtype="0" fill="hold" grpId="0" nodeType="clickEffect">
+                                  <p:stCondLst>
+                                    <p:cond delay="0"/>
+                                  </p:stCondLst>
+                                  <p:childTnLst>
+                                    <p:set>
+                                      <p:cBhvr>
+                                        <p:cTn id="14" dur="1" fill="hold">
+                                          <p:stCondLst>
+                                            <p:cond delay="0"/>
+                                          </p:stCondLst>
+                                        </p:cTn>
+                                        <p:tgtEl>
+                                          <p:spTgt spid="15"/>
+                                        </p:tgtEl>
+                                        <p:attrNameLst>
+                                          <p:attrName>style.visibility</p:attrName>
+                                        </p:attrNameLst>
+                                      </p:cBhvr>
+                                      <p:to>
+                                        <p:strVal val="visible"/>
+                                      </p:to>
+                                    </p:set>
+                                  </p:childTnLst>
+                                  <p:subTnLst>
+                                    <p:set>
+                                      <p:cBhvr override="childStyle">
+                                        <p:cTn dur="1" fill="hold" display="0" masterRel="nextClick" afterEffect="1"/>
+                                        <p:tgtEl>
+                                          <p:spTgt spid="15"/>
+                                        </p:tgtEl>
+                                        <p:attrNameLst>
+                                          <p:attrName>style.visibility</p:attrName>
+                                        </p:attrNameLst>
+                                      </p:cBhvr>
+                                      <p:to>
+                                        <p:strVal val="hidden"/>
+                                      </p:to>
+                                    </p:set>
+                                  </p:subTnLst>
+                                </p:cTn>
+                              </p:par>
+                            </p:childTnLst>
+                          </p:cTn>
+                        </p:par>
+                      </p:childTnLst>
+                    </p:cTn>
+                  </p:par>
+                  <p:par>
+                    <p:cTn id="15" fill="hold">
+                      <p:stCondLst>
+                        <p:cond delay="indefinite"/>
+                      </p:stCondLst>
+                      <p:childTnLst>
+                        <p:par>
+                          <p:cTn id="16" fill="hold">
+                            <p:stCondLst>
+                              <p:cond delay="0"/>
+                            </p:stCondLst>
+                            <p:childTnLst>
+                              <p:par>
+                                <p:cTn id="17" presetID="1" presetClass="entr" presetSubtype="0" fill="hold" nodeType="clickEffect">
+                                  <p:stCondLst>
+                                    <p:cond delay="0"/>
+                                  </p:stCondLst>
+                                  <p:childTnLst>
+                                    <p:set>
+                                      <p:cBhvr>
+                                        <p:cTn id="18" dur="1" fill="hold">
+                                          <p:stCondLst>
+                                            <p:cond delay="0"/>
+                                          </p:stCondLst>
+                                        </p:cTn>
+                                        <p:tgtEl>
+                                          <p:spTgt spid="4"/>
+                                        </p:tgtEl>
+                                        <p:attrNameLst>
+                                          <p:attrName>style.visibility</p:attrName>
+                                        </p:attrNameLst>
+                                      </p:cBhvr>
+                                      <p:to>
+                                        <p:strVal val="visible"/>
+                                      </p:to>
+                                    </p:set>
+                                  </p:childTnLst>
+                                </p:cTn>
+                              </p:par>
+                            </p:childTnLst>
+                          </p:cTn>
+                        </p:par>
+                      </p:childTnLst>
+                    </p:cTn>
+                  </p:par>
+                  <p:par>
+                    <p:cTn id="19" fill="hold">
+                      <p:stCondLst>
+                        <p:cond delay="indefinite"/>
+                      </p:stCondLst>
+                      <p:childTnLst>
+                        <p:par>
+                          <p:cTn id="20" fill="hold">
+                            <p:stCondLst>
+                              <p:cond delay="0"/>
+                            </p:stCondLst>
+                            <p:childTnLst>
+                              <p:par>
+                                <p:cTn id="21" presetID="1" presetClass="entr" presetSubtype="0" fill="hold" grpId="0" nodeType="clickEffect">
+                                  <p:stCondLst>
+                                    <p:cond delay="0"/>
+                                  </p:stCondLst>
+                                  <p:childTnLst>
+                                    <p:set>
+                                      <p:cBhvr>
+                                        <p:cTn id="22" dur="1" fill="hold">
+                                          <p:stCondLst>
+                                            <p:cond delay="0"/>
+                                          </p:stCondLst>
+                                        </p:cTn>
+                                        <p:tgtEl>
+                                          <p:spTgt spid="13"/>
+                                        </p:tgtEl>
+                                        <p:attrNameLst>
+                                          <p:attrName>style.visibility</p:attrName>
+                                        </p:attrNameLst>
+                                      </p:cBhvr>
+                                      <p:to>
+                                        <p:strVal val="visible"/>
+                                      </p:to>
+                                    </p:set>
+                                  </p:childTnLst>
+                                  <p:subTnLst>
+                                    <p:set>
+                                      <p:cBhvr override="childStyle">
+                                        <p:cTn dur="1" fill="hold" display="0" masterRel="nextClick" afterEffect="1"/>
+                                        <p:tgtEl>
+                                          <p:spTgt spid="13"/>
+                                        </p:tgtEl>
+                                        <p:attrNameLst>
+                                          <p:attrName>style.visibility</p:attrName>
+                                        </p:attrNameLst>
+                                      </p:cBhvr>
+                                      <p:to>
+                                        <p:strVal val="hidden"/>
+                                      </p:to>
+                                    </p:set>
+                                  </p:subTnLst>
+                                </p:cTn>
+                              </p:par>
+                            </p:childTnLst>
+                          </p:cTn>
+                        </p:par>
+                      </p:childTnLst>
+                    </p:cTn>
+                  </p:par>
+                  <p:par>
+                    <p:cTn id="23" fill="hold">
+                      <p:stCondLst>
+                        <p:cond delay="indefinite"/>
+                      </p:stCondLst>
+                      <p:childTnLst>
+                        <p:par>
+                          <p:cTn id="24" fill="hold">
+                            <p:stCondLst>
+                              <p:cond delay="0"/>
+                            </p:stCondLst>
+                            <p:childTnLst>
+                              <p:par>
+                                <p:cTn id="25" presetID="1" presetClass="entr" presetSubtype="0" fill="hold" grpId="0" nodeType="clickEffect">
+                                  <p:stCondLst>
+                                    <p:cond delay="0"/>
+                                  </p:stCondLst>
+                                  <p:childTnLst>
+                                    <p:set>
+                                      <p:cBhvr>
+                                        <p:cTn id="26" dur="1" fill="hold">
+                                          <p:stCondLst>
+                                            <p:cond delay="0"/>
+                                          </p:stCondLst>
+                                        </p:cTn>
+                                        <p:tgtEl>
+                                          <p:spTgt spid="10"/>
+                                        </p:tgtEl>
+                                        <p:attrNameLst>
+                                          <p:attrName>style.visibility</p:attrName>
+                                        </p:attrNameLst>
+                                      </p:cBhvr>
+                                      <p:to>
+                                        <p:strVal val="visible"/>
+                                      </p:to>
+                                    </p:set>
+                                  </p:childTnLst>
+                                  <p:subTnLst>
+                                    <p:set>
+                                      <p:cBhvr override="childStyle">
+                                        <p:cTn dur="1" fill="hold" display="0" masterRel="nextClick" afterEffect="1"/>
+                                        <p:tgtEl>
+                                          <p:spTgt spid="10"/>
+                                        </p:tgtEl>
+                                        <p:attrNameLst>
+                                          <p:attrName>style.visibility</p:attrName>
+                                        </p:attrNameLst>
+                                      </p:cBhvr>
+                                      <p:to>
+                                        <p:strVal val="hidden"/>
+                                      </p:to>
+                                    </p:set>
+                                  </p:subTnLst>
+                                </p:cTn>
+                              </p:par>
+                            </p:childTnLst>
+                          </p:cTn>
+                        </p:par>
+                      </p:childTnLst>
+                    </p:cTn>
+                  </p:par>
+                  <p:par>
+                    <p:cTn id="27" fill="hold">
+                      <p:stCondLst>
+                        <p:cond delay="indefinite"/>
+                      </p:stCondLst>
+                      <p:childTnLst>
+                        <p:par>
+                          <p:cTn id="28" fill="hold">
+                            <p:stCondLst>
+                              <p:cond delay="0"/>
+                            </p:stCondLst>
+                            <p:childTnLst>
+                              <p:par>
+                                <p:cTn id="29" presetID="1" presetClass="entr" presetSubtype="0" fill="hold" grpId="0" nodeType="clickEffect">
+                                  <p:stCondLst>
+                                    <p:cond delay="0"/>
+                                  </p:stCondLst>
+                                  <p:childTnLst>
+                                    <p:set>
+                                      <p:cBhvr>
+                                        <p:cTn id="30" dur="1" fill="hold">
+                                          <p:stCondLst>
+                                            <p:cond delay="0"/>
+                                          </p:stCondLst>
+                                        </p:cTn>
+                                        <p:tgtEl>
+                                          <p:spTgt spid="11"/>
+                                        </p:tgtEl>
+                                        <p:attrNameLst>
+                                          <p:attrName>style.visibility</p:attrName>
+                                        </p:attrNameLst>
+                                      </p:cBhvr>
+                                      <p:to>
+                                        <p:strVal val="visible"/>
+                                      </p:to>
+                                    </p:set>
+                                  </p:childTnLst>
+                                  <p:subTnLst>
+                                    <p:set>
+                                      <p:cBhvr override="childStyle">
+                                        <p:cTn dur="1" fill="hold" display="0" masterRel="nextClick" afterEffect="1"/>
+                                        <p:tgtEl>
+                                          <p:spTgt spid="11"/>
+                                        </p:tgtEl>
+                                        <p:attrNameLst>
+                                          <p:attrName>style.visibility</p:attrName>
+                                        </p:attrNameLst>
+                                      </p:cBhvr>
+                                      <p:to>
+                                        <p:strVal val="hidden"/>
+                                      </p:to>
+                                    </p:set>
+                                  </p:subTnLst>
+                                </p:cTn>
+                              </p:par>
+                            </p:childTnLst>
+                          </p:cTn>
+                        </p:par>
+                      </p:childTnLst>
+                    </p:cTn>
+                  </p:par>
+                  <p:par>
+                    <p:cTn id="31" fill="hold">
+                      <p:stCondLst>
+                        <p:cond delay="indefinite"/>
+                      </p:stCondLst>
+                      <p:childTnLst>
+                        <p:par>
+                          <p:cTn id="32" fill="hold">
+                            <p:stCondLst>
+                              <p:cond delay="0"/>
+                            </p:stCondLst>
+                            <p:childTnLst>
+                              <p:par>
+                                <p:cTn id="33" presetID="1" presetClass="entr" presetSubtype="0" fill="hold" nodeType="clickEffect">
+                                  <p:stCondLst>
+                                    <p:cond delay="0"/>
+                                  </p:stCondLst>
+                                  <p:childTnLst>
+                                    <p:set>
+                                      <p:cBhvr>
+                                        <p:cTn id="34" dur="1" fill="hold">
+                                          <p:stCondLst>
+                                            <p:cond delay="0"/>
+                                          </p:stCondLst>
+                                        </p:cTn>
+                                        <p:tgtEl>
+                                          <p:spTgt spid="8"/>
+                                        </p:tgtEl>
+                                        <p:attrNameLst>
+                                          <p:attrName>style.visibility</p:attrName>
+                                        </p:attrNameLst>
+                                      </p:cBhvr>
+                                      <p:to>
+                                        <p:strVal val="visible"/>
+                                      </p:to>
+                                    </p:set>
+                                  </p:childTnLst>
+                                </p:cTn>
+                              </p:par>
+                            </p:childTnLst>
+                          </p:cTn>
+                        </p:par>
+                      </p:childTnLst>
+                    </p:cTn>
+                  </p:par>
+                </p:childTnLst>
+              </p:cTn>
+              <p:prevCondLst>
+                <p:cond evt="onPrev" delay="0">
+                  <p:tgtEl>
+                    <p:sldTgt/>
+                  </p:tgtEl>
+                </p:cond>
+              </p:prevCondLst>
+              <p:nextCondLst>
+                <p:cond evt="onNext" delay="0">
+                  <p:tgtEl>
+                    <p:sldTgt/>
+                  </p:tgtEl>
+                </p:cond>
+              </p:nextCondLst>
+            </p:seq>
+          </p:childTnLst>
+        </p:cTn>
+      </p:par>
+    </p:tnLst>
+    <p:bldLst>
+      <p:bldP spid="13" grpId="0" animBg="1"/>
+      <p:bldP spid="10" grpId="0" animBg="1"/>
+      <p:bldP spid="11" grpId="0" animBg="1"/>
+      <p:bldP spid="14" grpId="0" animBg="1"/>
+      <p:bldP spid="15" grpId="0" animBg="1"/>
+    </p:bldLst>
+  </p:timing>
+</p:sld>
+</file>
+
+<file path=ppt/slides/slide24.xml><?xml version="1.0" encoding="utf-8"?>
+<p:sld xmlns:a="http://schemas.openxmlformats.org/drawingml/2006/main" xmlns:r="http://schemas.openxmlformats.org/officeDocument/2006/relationships" xmlns:p="http://schemas.openxmlformats.org/presentationml/2006/main">
+  <p:cSld>
+    <p:spTree>
+      <p:nvGrpSpPr>
+        <p:cNvPr id="1" name=""/>
+        <p:cNvGrpSpPr/>
+        <p:nvPr/>
+      </p:nvGrpSpPr>
+      <p:grpSpPr>
+        <a:xfrm>
+          <a:off x="0" y="0"/>
+          <a:ext cx="0" cy="0"/>
+          <a:chOff x="0" y="0"/>
+          <a:chExt cx="0" cy="0"/>
+        </a:xfrm>
+      </p:grpSpPr>
+      <p:pic>
+        <p:nvPicPr>
+          <p:cNvPr id="5" name="Grafik 4">
+            <a:extLst>
+              <a:ext uri="{FF2B5EF4-FFF2-40B4-BE49-F238E27FC236}">
+                <a16:creationId xmlns:a16="http://schemas.microsoft.com/office/drawing/2014/main" id="{945D7483-20B2-6A48-A0F1-AA030ACA6B45}"/>
+              </a:ext>
+            </a:extLst>
+          </p:cNvPr>
+          <p:cNvPicPr>
+            <a:picLocks noChangeAspect="1"/>
+          </p:cNvPicPr>
+          <p:nvPr/>
+        </p:nvPicPr>
+        <p:blipFill>
+          <a:blip r:embed="rId2"/>
+          <a:stretch>
+            <a:fillRect/>
+          </a:stretch>
+        </p:blipFill>
+        <p:spPr>
+          <a:xfrm>
+            <a:off x="18983739" y="237987"/>
+            <a:ext cx="4954035" cy="13222640"/>
+          </a:xfrm>
+          <a:prstGeom prst="rect">
+            <a:avLst/>
+          </a:prstGeom>
+          <a:ln>
+            <a:solidFill>
+              <a:schemeClr val="accent1"/>
+            </a:solidFill>
+          </a:ln>
+        </p:spPr>
+      </p:pic>
+      <p:sp>
+        <p:nvSpPr>
+          <p:cNvPr id="2" name="Titel 1">
+            <a:extLst>
+              <a:ext uri="{FF2B5EF4-FFF2-40B4-BE49-F238E27FC236}">
+                <a16:creationId xmlns:a16="http://schemas.microsoft.com/office/drawing/2014/main" id="{574A5A47-A541-3E45-B751-829AFEFFBCB3}"/>
+              </a:ext>
+            </a:extLst>
+          </p:cNvPr>
+          <p:cNvSpPr>
+            <a:spLocks noGrp="1"/>
+          </p:cNvSpPr>
+          <p:nvPr>
+            <p:ph type="title"/>
+          </p:nvPr>
+        </p:nvSpPr>
+        <p:spPr/>
+        <p:txBody>
+          <a:bodyPr>
+            <a:normAutofit/>
+          </a:bodyPr>
+          <a:lstStyle/>
+          <a:p>
+            <a:r>
+              <a:rPr lang="de-DE" dirty="0"/>
+              <a:t>The Solution - INSTALLER</a:t>
+            </a:r>
+          </a:p>
+        </p:txBody>
+      </p:sp>
+      <p:sp>
+        <p:nvSpPr>
+          <p:cNvPr id="3" name="Inhaltsplatzhalter 2">
+            <a:extLst>
+              <a:ext uri="{FF2B5EF4-FFF2-40B4-BE49-F238E27FC236}">
+                <a16:creationId xmlns:a16="http://schemas.microsoft.com/office/drawing/2014/main" id="{F9D2D66F-04F0-0640-BA49-C0428BDC8D3C}"/>
+              </a:ext>
+            </a:extLst>
+          </p:cNvPr>
+          <p:cNvSpPr>
+            <a:spLocks noGrp="1"/>
+          </p:cNvSpPr>
+          <p:nvPr>
+            <p:ph idx="1"/>
+          </p:nvPr>
+        </p:nvSpPr>
+        <p:spPr>
+          <a:xfrm>
+            <a:off x="1219359" y="2354905"/>
+            <a:ext cx="15323371" cy="9897422"/>
+          </a:xfrm>
+        </p:spPr>
+        <p:txBody>
+          <a:bodyPr>
+            <a:normAutofit/>
+          </a:bodyPr>
+          <a:lstStyle/>
+          <a:p>
+            <a:pPr marL="0" indent="0">
+              <a:buNone/>
+            </a:pPr>
+            <a:r>
+              <a:rPr lang="de-DE" dirty="0"/>
+              <a:t>2.validate-&lt;</a:t>
+            </a:r>
+            <a:r>
+              <a:rPr lang="de-DE" dirty="0" err="1"/>
+              <a:t>environment</a:t>
+            </a:r>
+            <a:r>
+              <a:rPr lang="de-DE" dirty="0"/>
+              <a:t>&gt;.sh</a:t>
+            </a:r>
+          </a:p>
+          <a:p>
+            <a:r>
+              <a:rPr lang="de-DE" dirty="0" err="1"/>
+              <a:t>Validates</a:t>
+            </a:r>
+            <a:r>
+              <a:rPr lang="de-DE" dirty="0"/>
+              <a:t> </a:t>
+            </a:r>
+            <a:r>
+              <a:rPr lang="de-DE" dirty="0" err="1"/>
+              <a:t>connection</a:t>
+            </a:r>
+            <a:r>
+              <a:rPr lang="de-DE" dirty="0"/>
+              <a:t> </a:t>
+            </a:r>
+            <a:r>
+              <a:rPr lang="de-DE" dirty="0" err="1"/>
+              <a:t>pool</a:t>
+            </a:r>
+            <a:r>
+              <a:rPr lang="de-DE" dirty="0"/>
+              <a:t> </a:t>
+            </a:r>
+            <a:r>
+              <a:rPr lang="de-DE" dirty="0" err="1"/>
+              <a:t>and</a:t>
+            </a:r>
+            <a:r>
+              <a:rPr lang="de-DE" dirty="0"/>
+              <a:t> </a:t>
+            </a:r>
+            <a:r>
+              <a:rPr lang="de-DE" dirty="0" err="1"/>
+              <a:t>shows</a:t>
+            </a:r>
+            <a:r>
+              <a:rPr lang="de-DE" dirty="0"/>
+              <a:t> </a:t>
+            </a:r>
+            <a:r>
+              <a:rPr lang="de-DE" dirty="0" err="1"/>
+              <a:t>files</a:t>
+            </a:r>
+            <a:r>
+              <a:rPr lang="de-DE" dirty="0"/>
+              <a:t> in </a:t>
+            </a:r>
+            <a:r>
+              <a:rPr lang="de-DE" dirty="0" err="1"/>
+              <a:t>the</a:t>
+            </a:r>
+            <a:r>
+              <a:rPr lang="de-DE" dirty="0"/>
+              <a:t> </a:t>
+            </a:r>
+            <a:r>
+              <a:rPr lang="de-DE" dirty="0" err="1"/>
+              <a:t>order</a:t>
+            </a:r>
+            <a:r>
+              <a:rPr lang="de-DE" dirty="0"/>
+              <a:t> </a:t>
+            </a:r>
+            <a:r>
+              <a:rPr lang="de-DE" dirty="0" err="1"/>
+              <a:t>they</a:t>
+            </a:r>
+            <a:r>
+              <a:rPr lang="de-DE" dirty="0"/>
+              <a:t> will </a:t>
+            </a:r>
+            <a:r>
+              <a:rPr lang="de-DE" dirty="0" err="1"/>
+              <a:t>be</a:t>
+            </a:r>
+            <a:r>
+              <a:rPr lang="de-DE" dirty="0"/>
+              <a:t> </a:t>
+            </a:r>
+            <a:r>
+              <a:rPr lang="de-DE" dirty="0" err="1"/>
+              <a:t>installed</a:t>
+            </a:r>
+            <a:endParaRPr lang="de-DE" dirty="0"/>
+          </a:p>
+        </p:txBody>
+      </p:sp>
+      <p:sp>
+        <p:nvSpPr>
+          <p:cNvPr id="14" name="Abgerundetes Rechteck 13">
+            <a:extLst>
+              <a:ext uri="{FF2B5EF4-FFF2-40B4-BE49-F238E27FC236}">
+                <a16:creationId xmlns:a16="http://schemas.microsoft.com/office/drawing/2014/main" id="{24694C76-48AC-7E4A-BA74-FAA15CA38AEB}"/>
+              </a:ext>
+            </a:extLst>
+          </p:cNvPr>
+          <p:cNvSpPr/>
+          <p:nvPr/>
+        </p:nvSpPr>
+        <p:spPr bwMode="auto">
+          <a:xfrm>
+            <a:off x="19635787" y="919210"/>
+            <a:ext cx="4081464" cy="365124"/>
+          </a:xfrm>
+          <a:prstGeom prst="roundRect">
+            <a:avLst/>
+          </a:prstGeom>
+          <a:solidFill>
+            <a:schemeClr val="accent1">
+              <a:alpha val="10000"/>
+            </a:schemeClr>
+          </a:solidFill>
+          <a:ln w="76200" cap="flat" cmpd="sng" algn="ctr">
+            <a:solidFill>
+              <a:schemeClr val="accent1"/>
+            </a:solidFill>
+            <a:prstDash val="solid"/>
+            <a:round/>
+            <a:headEnd type="none" w="med" len="med"/>
+            <a:tailEnd type="none" w="med" len="med"/>
+          </a:ln>
+          <a:effectLst/>
+        </p:spPr>
+        <p:txBody>
+          <a:bodyPr wrap="none" lIns="0" tIns="0" rIns="0" bIns="0" anchor="ctr"/>
+          <a:lstStyle/>
+          <a:p>
+            <a:pPr>
+              <a:buFont typeface="Wingdings" pitchFamily="2" charset="2"/>
+              <a:buNone/>
+              <a:defRPr/>
+            </a:pPr>
+            <a:endParaRPr lang="de-DE">
+              <a:latin typeface="Arial Unicode MS" pitchFamily="34" charset="-128"/>
+              <a:ea typeface="+mn-ea"/>
+              <a:cs typeface="+mn-cs"/>
+            </a:endParaRPr>
+          </a:p>
+        </p:txBody>
+      </p:sp>
+      <p:pic>
+        <p:nvPicPr>
+          <p:cNvPr id="7" name="Grafik 6">
+            <a:extLst>
+              <a:ext uri="{FF2B5EF4-FFF2-40B4-BE49-F238E27FC236}">
+                <a16:creationId xmlns:a16="http://schemas.microsoft.com/office/drawing/2014/main" id="{E0B703A7-9129-C542-B858-FA8D8A90486B}"/>
+              </a:ext>
+            </a:extLst>
+          </p:cNvPr>
+          <p:cNvPicPr>
+            <a:picLocks noChangeAspect="1"/>
+          </p:cNvPicPr>
+          <p:nvPr/>
+        </p:nvPicPr>
+        <p:blipFill>
+          <a:blip r:embed="rId3"/>
+          <a:stretch>
+            <a:fillRect/>
+          </a:stretch>
+        </p:blipFill>
+        <p:spPr>
+          <a:xfrm>
+            <a:off x="6567487" y="4202327"/>
+            <a:ext cx="12128500" cy="9258300"/>
+          </a:xfrm>
+          <a:prstGeom prst="rect">
+            <a:avLst/>
+          </a:prstGeom>
+        </p:spPr>
+      </p:pic>
+    </p:spTree>
+    <p:extLst>
+      <p:ext uri="{BB962C8B-B14F-4D97-AF65-F5344CB8AC3E}">
+        <p14:creationId xmlns:p14="http://schemas.microsoft.com/office/powerpoint/2010/main" val="887287480"/>
+      </p:ext>
+    </p:extLst>
+  </p:cSld>
+  <p:clrMapOvr>
+    <a:masterClrMapping/>
+  </p:clrMapOvr>
+  <p:timing>
+    <p:tnLst>
+      <p:par>
+        <p:cTn id="1" dur="indefinite" restart="never" nodeType="tmRoot">
+          <p:childTnLst>
+            <p:seq concurrent="1" nextAc="seek">
+              <p:cTn id="2" dur="indefinite" nodeType="mainSeq">
+                <p:childTnLst>
+                  <p:par>
+                    <p:cTn id="3" fill="hold">
+                      <p:stCondLst>
+                        <p:cond delay="indefinite"/>
+                      </p:stCondLst>
+                      <p:childTnLst>
+                        <p:par>
+                          <p:cTn id="4" fill="hold">
+                            <p:stCondLst>
+                              <p:cond delay="0"/>
+                            </p:stCondLst>
+                            <p:childTnLst>
+                              <p:par>
+                                <p:cTn id="5" presetID="1" presetClass="entr" presetSubtype="0" fill="hold" grpId="0" nodeType="clickEffect">
+                                  <p:stCondLst>
+                                    <p:cond delay="0"/>
+                                  </p:stCondLst>
+                                  <p:childTnLst>
+                                    <p:set>
+                                      <p:cBhvr>
+                                        <p:cTn id="6" dur="1" fill="hold">
+                                          <p:stCondLst>
+                                            <p:cond delay="0"/>
+                                          </p:stCondLst>
+                                        </p:cTn>
+                                        <p:tgtEl>
+                                          <p:spTgt spid="14"/>
+                                        </p:tgtEl>
+                                        <p:attrNameLst>
+                                          <p:attrName>style.visibility</p:attrName>
+                                        </p:attrNameLst>
+                                      </p:cBhvr>
+                                      <p:to>
+                                        <p:strVal val="visible"/>
+                                      </p:to>
+                                    </p:set>
+                                  </p:childTnLst>
+                                  <p:subTnLst>
+                                    <p:set>
+                                      <p:cBhvr override="childStyle">
+                                        <p:cTn dur="1" fill="hold" display="0" masterRel="nextClick" afterEffect="1"/>
+                                        <p:tgtEl>
+                                          <p:spTgt spid="14"/>
+                                        </p:tgtEl>
+                                        <p:attrNameLst>
+                                          <p:attrName>style.visibility</p:attrName>
+                                        </p:attrNameLst>
+                                      </p:cBhvr>
+                                      <p:to>
+                                        <p:strVal val="hidden"/>
+                                      </p:to>
+                                    </p:set>
+                                  </p:subTnLst>
+                                </p:cTn>
+                              </p:par>
+                            </p:childTnLst>
+                          </p:cTn>
+                        </p:par>
+                      </p:childTnLst>
+                    </p:cTn>
+                  </p:par>
+                  <p:par>
+                    <p:cTn id="7" fill="hold">
+                      <p:stCondLst>
+                        <p:cond delay="indefinite"/>
+                      </p:stCondLst>
+                      <p:childTnLst>
+                        <p:par>
+                          <p:cTn id="8" fill="hold">
+                            <p:stCondLst>
+                              <p:cond delay="0"/>
+                            </p:stCondLst>
+                            <p:childTnLst>
+                              <p:par>
+                                <p:cTn id="9" presetID="1" presetClass="entr" presetSubtype="0" fill="hold" nodeType="clickEffect">
+                                  <p:stCondLst>
+                                    <p:cond delay="0"/>
+                                  </p:stCondLst>
+                                  <p:childTnLst>
+                                    <p:set>
+                                      <p:cBhvr>
+                                        <p:cTn id="10" dur="1" fill="hold">
+                                          <p:stCondLst>
+                                            <p:cond delay="0"/>
+                                          </p:stCondLst>
+                                        </p:cTn>
+                                        <p:tgtEl>
+                                          <p:spTgt spid="7"/>
+                                        </p:tgtEl>
+                                        <p:attrNameLst>
+                                          <p:attrName>style.visibility</p:attrName>
+                                        </p:attrNameLst>
+                                      </p:cBhvr>
+                                      <p:to>
+                                        <p:strVal val="visible"/>
+                                      </p:to>
+                                    </p:set>
+                                  </p:childTnLst>
+                                </p:cTn>
+                              </p:par>
+                            </p:childTnLst>
+                          </p:cTn>
+                        </p:par>
+                      </p:childTnLst>
+                    </p:cTn>
+                  </p:par>
+                </p:childTnLst>
+              </p:cTn>
+              <p:prevCondLst>
+                <p:cond evt="onPrev" delay="0">
+                  <p:tgtEl>
+                    <p:sldTgt/>
+                  </p:tgtEl>
+                </p:cond>
+              </p:prevCondLst>
+              <p:nextCondLst>
+                <p:cond evt="onNext" delay="0">
+                  <p:tgtEl>
+                    <p:sldTgt/>
+                  </p:tgtEl>
+                </p:cond>
+              </p:nextCondLst>
+            </p:seq>
+          </p:childTnLst>
+        </p:cTn>
+      </p:par>
+    </p:tnLst>
+    <p:bldLst>
+      <p:bldP spid="14" grpId="0" animBg="1"/>
+    </p:bldLst>
+  </p:timing>
+</p:sld>
+</file>
+
+<file path=ppt/slides/slide25.xml><?xml version="1.0" encoding="utf-8"?>
+<p:sld xmlns:a="http://schemas.openxmlformats.org/drawingml/2006/main" xmlns:r="http://schemas.openxmlformats.org/officeDocument/2006/relationships" xmlns:p="http://schemas.openxmlformats.org/presentationml/2006/main">
+  <p:cSld>
+    <p:spTree>
+      <p:nvGrpSpPr>
+        <p:cNvPr id="1" name=""/>
+        <p:cNvGrpSpPr/>
+        <p:nvPr/>
+      </p:nvGrpSpPr>
+      <p:grpSpPr>
+        <a:xfrm>
+          <a:off x="0" y="0"/>
+          <a:ext cx="0" cy="0"/>
+          <a:chOff x="0" y="0"/>
+          <a:chExt cx="0" cy="0"/>
+        </a:xfrm>
+      </p:grpSpPr>
+      <p:pic>
+        <p:nvPicPr>
+          <p:cNvPr id="5" name="Grafik 4">
+            <a:extLst>
+              <a:ext uri="{FF2B5EF4-FFF2-40B4-BE49-F238E27FC236}">
+                <a16:creationId xmlns:a16="http://schemas.microsoft.com/office/drawing/2014/main" id="{945D7483-20B2-6A48-A0F1-AA030ACA6B45}"/>
+              </a:ext>
+            </a:extLst>
+          </p:cNvPr>
+          <p:cNvPicPr>
+            <a:picLocks noChangeAspect="1"/>
+          </p:cNvPicPr>
+          <p:nvPr/>
+        </p:nvPicPr>
+        <p:blipFill>
+          <a:blip r:embed="rId2"/>
+          <a:stretch>
+            <a:fillRect/>
+          </a:stretch>
+        </p:blipFill>
+        <p:spPr>
+          <a:xfrm>
+            <a:off x="18983739" y="237987"/>
+            <a:ext cx="4954035" cy="13222640"/>
+          </a:xfrm>
+          <a:prstGeom prst="rect">
+            <a:avLst/>
+          </a:prstGeom>
+          <a:ln>
+            <a:solidFill>
+              <a:schemeClr val="accent1"/>
+            </a:solidFill>
+          </a:ln>
+        </p:spPr>
+      </p:pic>
+      <p:sp>
+        <p:nvSpPr>
+          <p:cNvPr id="2" name="Titel 1">
+            <a:extLst>
+              <a:ext uri="{FF2B5EF4-FFF2-40B4-BE49-F238E27FC236}">
+                <a16:creationId xmlns:a16="http://schemas.microsoft.com/office/drawing/2014/main" id="{574A5A47-A541-3E45-B751-829AFEFFBCB3}"/>
+              </a:ext>
+            </a:extLst>
+          </p:cNvPr>
+          <p:cNvSpPr>
+            <a:spLocks noGrp="1"/>
+          </p:cNvSpPr>
+          <p:nvPr>
+            <p:ph type="title"/>
+          </p:nvPr>
+        </p:nvSpPr>
+        <p:spPr/>
+        <p:txBody>
+          <a:bodyPr>
+            <a:normAutofit/>
+          </a:bodyPr>
+          <a:lstStyle/>
+          <a:p>
+            <a:r>
+              <a:rPr lang="de-DE" dirty="0"/>
+              <a:t>The Solution - INSTALLER</a:t>
+            </a:r>
+          </a:p>
+        </p:txBody>
+      </p:sp>
+      <p:sp>
+        <p:nvSpPr>
+          <p:cNvPr id="3" name="Inhaltsplatzhalter 2">
+            <a:extLst>
+              <a:ext uri="{FF2B5EF4-FFF2-40B4-BE49-F238E27FC236}">
+                <a16:creationId xmlns:a16="http://schemas.microsoft.com/office/drawing/2014/main" id="{F9D2D66F-04F0-0640-BA49-C0428BDC8D3C}"/>
+              </a:ext>
+            </a:extLst>
+          </p:cNvPr>
+          <p:cNvSpPr>
+            <a:spLocks noGrp="1"/>
+          </p:cNvSpPr>
+          <p:nvPr>
+            <p:ph idx="1"/>
+          </p:nvPr>
+        </p:nvSpPr>
+        <p:spPr>
+          <a:xfrm>
+            <a:off x="1219359" y="2354905"/>
+            <a:ext cx="15323371" cy="9897422"/>
+          </a:xfrm>
+        </p:spPr>
+        <p:txBody>
+          <a:bodyPr>
+            <a:normAutofit/>
+          </a:bodyPr>
+          <a:lstStyle/>
+          <a:p>
+            <a:pPr marL="0" indent="0">
+              <a:buNone/>
+            </a:pPr>
+            <a:r>
+              <a:rPr lang="de-DE" dirty="0"/>
+              <a:t>3.install-&lt;</a:t>
+            </a:r>
+            <a:r>
+              <a:rPr lang="de-DE" dirty="0" err="1"/>
+              <a:t>environment</a:t>
+            </a:r>
+            <a:r>
+              <a:rPr lang="de-DE" dirty="0"/>
+              <a:t>&gt;.sh</a:t>
+            </a:r>
+          </a:p>
+          <a:p>
+            <a:pPr marL="0" indent="0">
+              <a:buNone/>
+            </a:pPr>
+            <a:endParaRPr lang="de-DE" dirty="0"/>
+          </a:p>
+        </p:txBody>
+      </p:sp>
+      <p:sp>
+        <p:nvSpPr>
+          <p:cNvPr id="14" name="Abgerundetes Rechteck 13">
+            <a:extLst>
+              <a:ext uri="{FF2B5EF4-FFF2-40B4-BE49-F238E27FC236}">
+                <a16:creationId xmlns:a16="http://schemas.microsoft.com/office/drawing/2014/main" id="{24694C76-48AC-7E4A-BA74-FAA15CA38AEB}"/>
+              </a:ext>
+            </a:extLst>
+          </p:cNvPr>
+          <p:cNvSpPr/>
+          <p:nvPr/>
+        </p:nvSpPr>
+        <p:spPr bwMode="auto">
+          <a:xfrm>
+            <a:off x="19673887" y="2263991"/>
+            <a:ext cx="4081464" cy="365124"/>
+          </a:xfrm>
+          <a:prstGeom prst="roundRect">
+            <a:avLst/>
+          </a:prstGeom>
+          <a:solidFill>
+            <a:schemeClr val="accent1">
+              <a:alpha val="10000"/>
+            </a:schemeClr>
+          </a:solidFill>
+          <a:ln w="76200" cap="flat" cmpd="sng" algn="ctr">
+            <a:solidFill>
+              <a:schemeClr val="accent1"/>
+            </a:solidFill>
+            <a:prstDash val="solid"/>
+            <a:round/>
+            <a:headEnd type="none" w="med" len="med"/>
+            <a:tailEnd type="none" w="med" len="med"/>
+          </a:ln>
+          <a:effectLst/>
+        </p:spPr>
+        <p:txBody>
+          <a:bodyPr wrap="none" lIns="0" tIns="0" rIns="0" bIns="0" anchor="ctr"/>
+          <a:lstStyle/>
+          <a:p>
+            <a:pPr>
+              <a:buFont typeface="Wingdings" pitchFamily="2" charset="2"/>
+              <a:buNone/>
+              <a:defRPr/>
+            </a:pPr>
+            <a:endParaRPr lang="de-DE">
+              <a:latin typeface="Arial Unicode MS" pitchFamily="34" charset="-128"/>
+              <a:ea typeface="+mn-ea"/>
+              <a:cs typeface="+mn-cs"/>
+            </a:endParaRPr>
+          </a:p>
+        </p:txBody>
+      </p:sp>
+      <p:pic>
+        <p:nvPicPr>
+          <p:cNvPr id="4" name="Grafik 3">
+            <a:extLst>
+              <a:ext uri="{FF2B5EF4-FFF2-40B4-BE49-F238E27FC236}">
+                <a16:creationId xmlns:a16="http://schemas.microsoft.com/office/drawing/2014/main" id="{DAA5534D-30FF-364C-B066-EA1A2459602F}"/>
+              </a:ext>
+            </a:extLst>
+          </p:cNvPr>
+          <p:cNvPicPr>
+            <a:picLocks noChangeAspect="1"/>
+          </p:cNvPicPr>
+          <p:nvPr/>
+        </p:nvPicPr>
+        <p:blipFill>
+          <a:blip r:embed="rId3"/>
+          <a:stretch>
+            <a:fillRect/>
+          </a:stretch>
+        </p:blipFill>
+        <p:spPr>
+          <a:xfrm>
+            <a:off x="6433965" y="2354905"/>
+            <a:ext cx="12204700" cy="11087100"/>
+          </a:xfrm>
+          <a:prstGeom prst="rect">
+            <a:avLst/>
+          </a:prstGeom>
+        </p:spPr>
+      </p:pic>
+    </p:spTree>
+    <p:extLst>
+      <p:ext uri="{BB962C8B-B14F-4D97-AF65-F5344CB8AC3E}">
+        <p14:creationId xmlns:p14="http://schemas.microsoft.com/office/powerpoint/2010/main" val="3160972510"/>
+      </p:ext>
+    </p:extLst>
+  </p:cSld>
+  <p:clrMapOvr>
+    <a:masterClrMapping/>
+  </p:clrMapOvr>
+  <p:timing>
+    <p:tnLst>
+      <p:par>
+        <p:cTn id="1" dur="indefinite" restart="never" nodeType="tmRoot">
+          <p:childTnLst>
+            <p:seq concurrent="1" nextAc="seek">
+              <p:cTn id="2" dur="indefinite" nodeType="mainSeq">
+                <p:childTnLst>
+                  <p:par>
+                    <p:cTn id="3" fill="hold">
+                      <p:stCondLst>
+                        <p:cond delay="indefinite"/>
+                      </p:stCondLst>
+                      <p:childTnLst>
+                        <p:par>
+                          <p:cTn id="4" fill="hold">
+                            <p:stCondLst>
+                              <p:cond delay="0"/>
+                            </p:stCondLst>
+                            <p:childTnLst>
+                              <p:par>
+                                <p:cTn id="5" presetID="1" presetClass="entr" presetSubtype="0" fill="hold" grpId="0" nodeType="clickEffect">
+                                  <p:stCondLst>
+                                    <p:cond delay="0"/>
+                                  </p:stCondLst>
+                                  <p:childTnLst>
+                                    <p:set>
+                                      <p:cBhvr>
+                                        <p:cTn id="6" dur="1" fill="hold">
+                                          <p:stCondLst>
+                                            <p:cond delay="0"/>
+                                          </p:stCondLst>
+                                        </p:cTn>
+                                        <p:tgtEl>
+                                          <p:spTgt spid="14"/>
+                                        </p:tgtEl>
+                                        <p:attrNameLst>
+                                          <p:attrName>style.visibility</p:attrName>
+                                        </p:attrNameLst>
+                                      </p:cBhvr>
+                                      <p:to>
+                                        <p:strVal val="visible"/>
+                                      </p:to>
+                                    </p:set>
+                                  </p:childTnLst>
+                                  <p:subTnLst>
+                                    <p:set>
+                                      <p:cBhvr override="childStyle">
+                                        <p:cTn dur="1" fill="hold" display="0" masterRel="nextClick" afterEffect="1"/>
+                                        <p:tgtEl>
+                                          <p:spTgt spid="14"/>
+                                        </p:tgtEl>
+                                        <p:attrNameLst>
+                                          <p:attrName>style.visibility</p:attrName>
+                                        </p:attrNameLst>
+                                      </p:cBhvr>
+                                      <p:to>
+                                        <p:strVal val="hidden"/>
+                                      </p:to>
+                                    </p:set>
+                                  </p:subTnLst>
+                                </p:cTn>
+                              </p:par>
+                            </p:childTnLst>
+                          </p:cTn>
+                        </p:par>
+                      </p:childTnLst>
+                    </p:cTn>
+                  </p:par>
+                  <p:par>
+                    <p:cTn id="7" fill="hold">
+                      <p:stCondLst>
+                        <p:cond delay="indefinite"/>
+                      </p:stCondLst>
+                      <p:childTnLst>
+                        <p:par>
+                          <p:cTn id="8" fill="hold">
+                            <p:stCondLst>
+                              <p:cond delay="0"/>
+                            </p:stCondLst>
+                            <p:childTnLst>
+                              <p:par>
+                                <p:cTn id="9" presetID="1" presetClass="entr" presetSubtype="0" fill="hold" nodeType="clickEffect">
+                                  <p:stCondLst>
+                                    <p:cond delay="0"/>
+                                  </p:stCondLst>
+                                  <p:childTnLst>
+                                    <p:set>
+                                      <p:cBhvr>
+                                        <p:cTn id="10" dur="1" fill="hold">
+                                          <p:stCondLst>
+                                            <p:cond delay="0"/>
+                                          </p:stCondLst>
+                                        </p:cTn>
+                                        <p:tgtEl>
+                                          <p:spTgt spid="4"/>
+                                        </p:tgtEl>
+                                        <p:attrNameLst>
+                                          <p:attrName>style.visibility</p:attrName>
+                                        </p:attrNameLst>
+                                      </p:cBhvr>
+                                      <p:to>
+                                        <p:strVal val="visible"/>
+                                      </p:to>
+                                    </p:set>
+                                  </p:childTnLst>
+                                </p:cTn>
+                              </p:par>
+                            </p:childTnLst>
+                          </p:cTn>
+                        </p:par>
+                      </p:childTnLst>
+                    </p:cTn>
+                  </p:par>
+                </p:childTnLst>
+              </p:cTn>
+              <p:prevCondLst>
+                <p:cond evt="onPrev" delay="0">
+                  <p:tgtEl>
+                    <p:sldTgt/>
+                  </p:tgtEl>
+                </p:cond>
+              </p:prevCondLst>
+              <p:nextCondLst>
+                <p:cond evt="onNext" delay="0">
+                  <p:tgtEl>
+                    <p:sldTgt/>
+                  </p:tgtEl>
+                </p:cond>
+              </p:nextCondLst>
+            </p:seq>
+          </p:childTnLst>
+        </p:cTn>
+      </p:par>
+    </p:tnLst>
+    <p:bldLst>
+      <p:bldP spid="14" grpId="0" animBg="1"/>
+    </p:bldLst>
+  </p:timing>
+</p:sld>
+</file>
+
+<file path=ppt/slides/slide26.xml><?xml version="1.0" encoding="utf-8"?>
+<p:sld xmlns:a="http://schemas.openxmlformats.org/drawingml/2006/main" xmlns:r="http://schemas.openxmlformats.org/officeDocument/2006/relationships" xmlns:p="http://schemas.openxmlformats.org/presentationml/2006/main">
+  <p:cSld>
+    <p:spTree>
+      <p:nvGrpSpPr>
+        <p:cNvPr id="1" name=""/>
+        <p:cNvGrpSpPr/>
+        <p:nvPr/>
+      </p:nvGrpSpPr>
+      <p:grpSpPr>
+        <a:xfrm>
+          <a:off x="0" y="0"/>
+          <a:ext cx="0" cy="0"/>
+          <a:chOff x="0" y="0"/>
+          <a:chExt cx="0" cy="0"/>
+        </a:xfrm>
+      </p:grpSpPr>
+      <p:pic>
+        <p:nvPicPr>
+          <p:cNvPr id="5" name="Grafik 4">
+            <a:extLst>
+              <a:ext uri="{FF2B5EF4-FFF2-40B4-BE49-F238E27FC236}">
+                <a16:creationId xmlns:a16="http://schemas.microsoft.com/office/drawing/2014/main" id="{945D7483-20B2-6A48-A0F1-AA030ACA6B45}"/>
+              </a:ext>
+            </a:extLst>
+          </p:cNvPr>
+          <p:cNvPicPr>
+            <a:picLocks noChangeAspect="1"/>
+          </p:cNvPicPr>
+          <p:nvPr/>
+        </p:nvPicPr>
+        <p:blipFill>
+          <a:blip r:embed="rId2"/>
+          <a:stretch>
+            <a:fillRect/>
+          </a:stretch>
+        </p:blipFill>
+        <p:spPr>
+          <a:xfrm>
+            <a:off x="18983739" y="237987"/>
+            <a:ext cx="4954035" cy="13222640"/>
+          </a:xfrm>
+          <a:prstGeom prst="rect">
+            <a:avLst/>
+          </a:prstGeom>
+          <a:ln>
+            <a:solidFill>
+              <a:schemeClr val="accent1"/>
+            </a:solidFill>
+          </a:ln>
+        </p:spPr>
+      </p:pic>
+      <p:sp>
+        <p:nvSpPr>
+          <p:cNvPr id="2" name="Titel 1">
+            <a:extLst>
+              <a:ext uri="{FF2B5EF4-FFF2-40B4-BE49-F238E27FC236}">
+                <a16:creationId xmlns:a16="http://schemas.microsoft.com/office/drawing/2014/main" id="{574A5A47-A541-3E45-B751-829AFEFFBCB3}"/>
+              </a:ext>
+            </a:extLst>
+          </p:cNvPr>
+          <p:cNvSpPr>
+            <a:spLocks noGrp="1"/>
+          </p:cNvSpPr>
+          <p:nvPr>
+            <p:ph type="title"/>
+          </p:nvPr>
+        </p:nvSpPr>
+        <p:spPr/>
+        <p:txBody>
+          <a:bodyPr>
+            <a:normAutofit/>
+          </a:bodyPr>
+          <a:lstStyle/>
+          <a:p>
+            <a:r>
+              <a:rPr lang="de-DE" dirty="0"/>
+              <a:t>The Solution - INSTALLER</a:t>
+            </a:r>
+          </a:p>
+        </p:txBody>
+      </p:sp>
+      <p:sp>
+        <p:nvSpPr>
+          <p:cNvPr id="3" name="Inhaltsplatzhalter 2">
+            <a:extLst>
+              <a:ext uri="{FF2B5EF4-FFF2-40B4-BE49-F238E27FC236}">
+                <a16:creationId xmlns:a16="http://schemas.microsoft.com/office/drawing/2014/main" id="{F9D2D66F-04F0-0640-BA49-C0428BDC8D3C}"/>
+              </a:ext>
+            </a:extLst>
+          </p:cNvPr>
+          <p:cNvSpPr>
+            <a:spLocks noGrp="1"/>
+          </p:cNvSpPr>
+          <p:nvPr>
+            <p:ph idx="1"/>
+          </p:nvPr>
+        </p:nvSpPr>
+        <p:spPr>
+          <a:xfrm>
+            <a:off x="1219359" y="2354905"/>
+            <a:ext cx="15323371" cy="9897422"/>
+          </a:xfrm>
+        </p:spPr>
+        <p:txBody>
+          <a:bodyPr>
+            <a:normAutofit/>
+          </a:bodyPr>
+          <a:lstStyle/>
+          <a:p>
+            <a:pPr marL="0" indent="0">
+              <a:buNone/>
+            </a:pPr>
+            <a:r>
+              <a:rPr lang="de-DE" dirty="0" err="1"/>
+              <a:t>ReleaseNotes.txt</a:t>
+            </a:r>
+            <a:endParaRPr lang="de-DE" dirty="0"/>
+          </a:p>
+          <a:p>
+            <a:pPr marL="0" indent="0">
+              <a:buNone/>
+            </a:pPr>
+            <a:endParaRPr lang="de-DE" dirty="0"/>
+          </a:p>
+          <a:p>
+            <a:pPr marL="0" indent="0">
+              <a:buNone/>
+            </a:pPr>
+            <a:endParaRPr lang="de-DE" dirty="0"/>
+          </a:p>
+        </p:txBody>
+      </p:sp>
+      <p:sp>
+        <p:nvSpPr>
+          <p:cNvPr id="14" name="Abgerundetes Rechteck 13">
+            <a:extLst>
+              <a:ext uri="{FF2B5EF4-FFF2-40B4-BE49-F238E27FC236}">
+                <a16:creationId xmlns:a16="http://schemas.microsoft.com/office/drawing/2014/main" id="{24694C76-48AC-7E4A-BA74-FAA15CA38AEB}"/>
+              </a:ext>
+            </a:extLst>
+          </p:cNvPr>
+          <p:cNvSpPr/>
+          <p:nvPr/>
+        </p:nvSpPr>
+        <p:spPr bwMode="auto">
+          <a:xfrm>
+            <a:off x="19673887" y="3597491"/>
+            <a:ext cx="4081464" cy="365124"/>
+          </a:xfrm>
+          <a:prstGeom prst="roundRect">
+            <a:avLst/>
+          </a:prstGeom>
+          <a:solidFill>
+            <a:schemeClr val="accent1">
+              <a:alpha val="10000"/>
+            </a:schemeClr>
+          </a:solidFill>
+          <a:ln w="76200" cap="flat" cmpd="sng" algn="ctr">
+            <a:solidFill>
+              <a:schemeClr val="accent1"/>
+            </a:solidFill>
+            <a:prstDash val="solid"/>
+            <a:round/>
+            <a:headEnd type="none" w="med" len="med"/>
+            <a:tailEnd type="none" w="med" len="med"/>
+          </a:ln>
+          <a:effectLst/>
+        </p:spPr>
+        <p:txBody>
+          <a:bodyPr wrap="none" lIns="0" tIns="0" rIns="0" bIns="0" anchor="ctr"/>
+          <a:lstStyle/>
+          <a:p>
+            <a:pPr>
+              <a:buFont typeface="Wingdings" pitchFamily="2" charset="2"/>
+              <a:buNone/>
+              <a:defRPr/>
+            </a:pPr>
+            <a:endParaRPr lang="de-DE">
+              <a:latin typeface="Arial Unicode MS" pitchFamily="34" charset="-128"/>
+              <a:ea typeface="+mn-ea"/>
+              <a:cs typeface="+mn-cs"/>
+            </a:endParaRPr>
+          </a:p>
+        </p:txBody>
+      </p:sp>
+      <p:pic>
+        <p:nvPicPr>
+          <p:cNvPr id="6" name="Grafik 5">
+            <a:extLst>
+              <a:ext uri="{FF2B5EF4-FFF2-40B4-BE49-F238E27FC236}">
+                <a16:creationId xmlns:a16="http://schemas.microsoft.com/office/drawing/2014/main" id="{765D4D2D-7887-124B-BB97-13CA351E36D9}"/>
+              </a:ext>
+            </a:extLst>
+          </p:cNvPr>
+          <p:cNvPicPr>
+            <a:picLocks noChangeAspect="1"/>
+          </p:cNvPicPr>
+          <p:nvPr/>
+        </p:nvPicPr>
+        <p:blipFill>
+          <a:blip r:embed="rId3"/>
+          <a:stretch>
+            <a:fillRect/>
+          </a:stretch>
+        </p:blipFill>
+        <p:spPr>
+          <a:xfrm>
+            <a:off x="1430337" y="3924514"/>
+            <a:ext cx="4246564" cy="2496465"/>
+          </a:xfrm>
+          <a:prstGeom prst="rect">
+            <a:avLst/>
+          </a:prstGeom>
+          <a:ln>
+            <a:solidFill>
+              <a:schemeClr val="accent1"/>
+            </a:solidFill>
+          </a:ln>
+        </p:spPr>
+      </p:pic>
+      <p:pic>
+        <p:nvPicPr>
+          <p:cNvPr id="7" name="Grafik 6">
+            <a:extLst>
+              <a:ext uri="{FF2B5EF4-FFF2-40B4-BE49-F238E27FC236}">
+                <a16:creationId xmlns:a16="http://schemas.microsoft.com/office/drawing/2014/main" id="{E539E0E7-A5FB-0C4D-815E-40806A30C35C}"/>
+              </a:ext>
+            </a:extLst>
+          </p:cNvPr>
+          <p:cNvPicPr>
+            <a:picLocks noChangeAspect="1"/>
+          </p:cNvPicPr>
+          <p:nvPr/>
+        </p:nvPicPr>
+        <p:blipFill>
+          <a:blip r:embed="rId4"/>
+          <a:stretch>
+            <a:fillRect/>
+          </a:stretch>
+        </p:blipFill>
+        <p:spPr>
+          <a:xfrm>
+            <a:off x="1219359" y="9712261"/>
+            <a:ext cx="6360367" cy="2990636"/>
+          </a:xfrm>
+          <a:prstGeom prst="rect">
+            <a:avLst/>
+          </a:prstGeom>
+          <a:ln>
+            <a:solidFill>
+              <a:schemeClr val="accent1"/>
+            </a:solidFill>
+          </a:ln>
+        </p:spPr>
+      </p:pic>
+      <p:pic>
+        <p:nvPicPr>
+          <p:cNvPr id="8" name="Grafik 7">
+            <a:extLst>
+              <a:ext uri="{FF2B5EF4-FFF2-40B4-BE49-F238E27FC236}">
+                <a16:creationId xmlns:a16="http://schemas.microsoft.com/office/drawing/2014/main" id="{CAC1F842-9F9F-1048-B5E0-073D0750A129}"/>
+              </a:ext>
+            </a:extLst>
+          </p:cNvPr>
+          <p:cNvPicPr>
+            <a:picLocks noChangeAspect="1"/>
+          </p:cNvPicPr>
+          <p:nvPr/>
+        </p:nvPicPr>
+        <p:blipFill>
+          <a:blip r:embed="rId5"/>
+          <a:stretch>
+            <a:fillRect/>
+          </a:stretch>
+        </p:blipFill>
+        <p:spPr>
+          <a:xfrm>
+            <a:off x="449401" y="7322119"/>
+            <a:ext cx="23248667" cy="1534412"/>
+          </a:xfrm>
+          <a:prstGeom prst="rect">
+            <a:avLst/>
+          </a:prstGeom>
+          <a:ln>
+            <a:solidFill>
+              <a:schemeClr val="accent1"/>
+            </a:solidFill>
+          </a:ln>
+        </p:spPr>
+      </p:pic>
+    </p:spTree>
+    <p:extLst>
+      <p:ext uri="{BB962C8B-B14F-4D97-AF65-F5344CB8AC3E}">
+        <p14:creationId xmlns:p14="http://schemas.microsoft.com/office/powerpoint/2010/main" val="1814892464"/>
+      </p:ext>
+    </p:extLst>
+  </p:cSld>
+  <p:clrMapOvr>
+    <a:masterClrMapping/>
+  </p:clrMapOvr>
+  <p:timing>
+    <p:tnLst>
+      <p:par>
+        <p:cTn id="1" dur="indefinite" restart="never" nodeType="tmRoot">
+          <p:childTnLst>
+            <p:seq concurrent="1" nextAc="seek">
+              <p:cTn id="2" dur="indefinite" nodeType="mainSeq">
+                <p:childTnLst>
+                  <p:par>
+                    <p:cTn id="3" fill="hold">
+                      <p:stCondLst>
+                        <p:cond delay="indefinite"/>
+                      </p:stCondLst>
+                      <p:childTnLst>
+                        <p:par>
+                          <p:cTn id="4" fill="hold">
+                            <p:stCondLst>
+                              <p:cond delay="0"/>
+                            </p:stCondLst>
+                            <p:childTnLst>
+                              <p:par>
+                                <p:cTn id="5" presetID="1" presetClass="entr" presetSubtype="0" fill="hold" grpId="0" nodeType="clickEffect">
+                                  <p:stCondLst>
+                                    <p:cond delay="0"/>
+                                  </p:stCondLst>
+                                  <p:childTnLst>
+                                    <p:set>
+                                      <p:cBhvr>
+                                        <p:cTn id="6" dur="1" fill="hold">
+                                          <p:stCondLst>
+                                            <p:cond delay="0"/>
+                                          </p:stCondLst>
+                                        </p:cTn>
+                                        <p:tgtEl>
+                                          <p:spTgt spid="14"/>
+                                        </p:tgtEl>
+                                        <p:attrNameLst>
+                                          <p:attrName>style.visibility</p:attrName>
+                                        </p:attrNameLst>
+                                      </p:cBhvr>
+                                      <p:to>
+                                        <p:strVal val="visible"/>
+                                      </p:to>
+                                    </p:set>
+                                  </p:childTnLst>
+                                  <p:subTnLst>
+                                    <p:set>
+                                      <p:cBhvr override="childStyle">
+                                        <p:cTn dur="1" fill="hold" display="0" masterRel="nextClick" afterEffect="1"/>
+                                        <p:tgtEl>
+                                          <p:spTgt spid="14"/>
+                                        </p:tgtEl>
+                                        <p:attrNameLst>
+                                          <p:attrName>style.visibility</p:attrName>
+                                        </p:attrNameLst>
+                                      </p:cBhvr>
+                                      <p:to>
+                                        <p:strVal val="hidden"/>
+                                      </p:to>
+                                    </p:set>
+                                  </p:subTnLst>
+                                </p:cTn>
+                              </p:par>
+                            </p:childTnLst>
+                          </p:cTn>
+                        </p:par>
+                      </p:childTnLst>
+                    </p:cTn>
+                  </p:par>
+                  <p:par>
+                    <p:cTn id="7" fill="hold">
+                      <p:stCondLst>
+                        <p:cond delay="indefinite"/>
+                      </p:stCondLst>
+                      <p:childTnLst>
+                        <p:par>
+                          <p:cTn id="8" fill="hold">
+                            <p:stCondLst>
+                              <p:cond delay="0"/>
+                            </p:stCondLst>
+                            <p:childTnLst>
+                              <p:par>
+                                <p:cTn id="9" presetID="1" presetClass="entr" presetSubtype="0" fill="hold" nodeType="clickEffect">
+                                  <p:stCondLst>
+                                    <p:cond delay="0"/>
+                                  </p:stCondLst>
+                                  <p:childTnLst>
+                                    <p:set>
+                                      <p:cBhvr>
+                                        <p:cTn id="10" dur="1" fill="hold">
+                                          <p:stCondLst>
+                                            <p:cond delay="0"/>
+                                          </p:stCondLst>
+                                        </p:cTn>
+                                        <p:tgtEl>
+                                          <p:spTgt spid="6"/>
+                                        </p:tgtEl>
+                                        <p:attrNameLst>
+                                          <p:attrName>style.visibility</p:attrName>
+                                        </p:attrNameLst>
+                                      </p:cBhvr>
+                                      <p:to>
+                                        <p:strVal val="visible"/>
+                                      </p:to>
+                                    </p:set>
+                                  </p:childTnLst>
+                                </p:cTn>
+                              </p:par>
+                            </p:childTnLst>
+                          </p:cTn>
+                        </p:par>
+                      </p:childTnLst>
+                    </p:cTn>
+                  </p:par>
+                  <p:par>
+                    <p:cTn id="11" fill="hold">
+                      <p:stCondLst>
+                        <p:cond delay="indefinite"/>
+                      </p:stCondLst>
+                      <p:childTnLst>
+                        <p:par>
+                          <p:cTn id="12" fill="hold">
+                            <p:stCondLst>
+                              <p:cond delay="0"/>
+                            </p:stCondLst>
+                            <p:childTnLst>
+                              <p:par>
+                                <p:cTn id="13" presetID="1" presetClass="entr" presetSubtype="0" fill="hold" nodeType="clickEffect">
+                                  <p:stCondLst>
+                                    <p:cond delay="0"/>
+                                  </p:stCondLst>
+                                  <p:childTnLst>
+                                    <p:set>
+                                      <p:cBhvr>
+                                        <p:cTn id="14" dur="1" fill="hold">
+                                          <p:stCondLst>
+                                            <p:cond delay="0"/>
+                                          </p:stCondLst>
+                                        </p:cTn>
+                                        <p:tgtEl>
+                                          <p:spTgt spid="8"/>
+                                        </p:tgtEl>
+                                        <p:attrNameLst>
+                                          <p:attrName>style.visibility</p:attrName>
+                                        </p:attrNameLst>
+                                      </p:cBhvr>
+                                      <p:to>
+                                        <p:strVal val="visible"/>
+                                      </p:to>
+                                    </p:set>
+                                  </p:childTnLst>
+                                </p:cTn>
+                              </p:par>
+                            </p:childTnLst>
+                          </p:cTn>
+                        </p:par>
+                      </p:childTnLst>
+                    </p:cTn>
+                  </p:par>
+                  <p:par>
+                    <p:cTn id="15" fill="hold">
+                      <p:stCondLst>
+                        <p:cond delay="indefinite"/>
+                      </p:stCondLst>
+                      <p:childTnLst>
+                        <p:par>
+                          <p:cTn id="16" fill="hold">
+                            <p:stCondLst>
+                              <p:cond delay="0"/>
+                            </p:stCondLst>
+                            <p:childTnLst>
+                              <p:par>
+                                <p:cTn id="17" presetID="1" presetClass="entr" presetSubtype="0" fill="hold" nodeType="clickEffect">
+                                  <p:stCondLst>
+                                    <p:cond delay="0"/>
+                                  </p:stCondLst>
+                                  <p:childTnLst>
+                                    <p:set>
+                                      <p:cBhvr>
+                                        <p:cTn id="18" dur="1" fill="hold">
+                                          <p:stCondLst>
+                                            <p:cond delay="0"/>
+                                          </p:stCondLst>
+                                        </p:cTn>
+                                        <p:tgtEl>
+                                          <p:spTgt spid="7"/>
+                                        </p:tgtEl>
+                                        <p:attrNameLst>
+                                          <p:attrName>style.visibility</p:attrName>
+                                        </p:attrNameLst>
+                                      </p:cBhvr>
+                                      <p:to>
+                                        <p:strVal val="visible"/>
+                                      </p:to>
+                                    </p:set>
+                                  </p:childTnLst>
+                                </p:cTn>
+                              </p:par>
+                            </p:childTnLst>
+                          </p:cTn>
+                        </p:par>
+                      </p:childTnLst>
+                    </p:cTn>
+                  </p:par>
+                </p:childTnLst>
+              </p:cTn>
+              <p:prevCondLst>
+                <p:cond evt="onPrev" delay="0">
+                  <p:tgtEl>
+                    <p:sldTgt/>
+                  </p:tgtEl>
+                </p:cond>
+              </p:prevCondLst>
+              <p:nextCondLst>
+                <p:cond evt="onNext" delay="0">
+                  <p:tgtEl>
+                    <p:sldTgt/>
+                  </p:tgtEl>
+                </p:cond>
+              </p:nextCondLst>
+            </p:seq>
+          </p:childTnLst>
+        </p:cTn>
+      </p:par>
+    </p:tnLst>
+    <p:bldLst>
+      <p:bldP spid="14" grpId="0" animBg="1"/>
+    </p:bldLst>
+  </p:timing>
+</p:sld>
+</file>
+
+<file path=ppt/slides/slide27.xml><?xml version="1.0" encoding="utf-8"?>
+<p:sld xmlns:a="http://schemas.openxmlformats.org/drawingml/2006/main" xmlns:r="http://schemas.openxmlformats.org/officeDocument/2006/relationships" xmlns:p="http://schemas.openxmlformats.org/presentationml/2006/main">
+  <p:cSld>
+    <p:spTree>
+      <p:nvGrpSpPr>
+        <p:cNvPr id="1" name=""/>
+        <p:cNvGrpSpPr/>
+        <p:nvPr/>
+      </p:nvGrpSpPr>
+      <p:grpSpPr>
+        <a:xfrm>
+          <a:off x="0" y="0"/>
+          <a:ext cx="0" cy="0"/>
+          <a:chOff x="0" y="0"/>
+          <a:chExt cx="0" cy="0"/>
+        </a:xfrm>
+      </p:grpSpPr>
       <p:sp>
         <p:nvSpPr>
           <p:cNvPr id="5" name="TextBox 4"/>
@@ -16533,7 +20383,7 @@
 </p:sld>
 </file>
 
-<file path=ppt/slides/slide23.xml><?xml version="1.0" encoding="utf-8"?>
+<file path=ppt/slides/slide28.xml><?xml version="1.0" encoding="utf-8"?>
 <p:sld xmlns:a="http://schemas.openxmlformats.org/drawingml/2006/main" xmlns:r="http://schemas.openxmlformats.org/officeDocument/2006/relationships" xmlns:p="http://schemas.openxmlformats.org/presentationml/2006/main">
   <p:cSld>
     <p:spTree>
@@ -16783,7 +20633,7 @@
 </p:sld>
 </file>
 
-<file path=ppt/slides/slide24.xml><?xml version="1.0" encoding="utf-8"?>
+<file path=ppt/slides/slide29.xml><?xml version="1.0" encoding="utf-8"?>
 <p:sld xmlns:a="http://schemas.openxmlformats.org/drawingml/2006/main" xmlns:r="http://schemas.openxmlformats.org/officeDocument/2006/relationships" xmlns:p="http://schemas.openxmlformats.org/presentationml/2006/main">
   <p:cSld>
     <p:spTree>
@@ -16871,7 +20721,95 @@
 </p:sld>
 </file>
 
-<file path=ppt/slides/slide25.xml><?xml version="1.0" encoding="utf-8"?>
+<file path=ppt/slides/slide3.xml><?xml version="1.0" encoding="utf-8"?>
+<p:sld xmlns:a="http://schemas.openxmlformats.org/drawingml/2006/main" xmlns:r="http://schemas.openxmlformats.org/officeDocument/2006/relationships" xmlns:p="http://schemas.openxmlformats.org/presentationml/2006/main">
+  <p:cSld>
+    <p:spTree>
+      <p:nvGrpSpPr>
+        <p:cNvPr id="1" name=""/>
+        <p:cNvGrpSpPr/>
+        <p:nvPr/>
+      </p:nvGrpSpPr>
+      <p:grpSpPr>
+        <a:xfrm>
+          <a:off x="0" y="0"/>
+          <a:ext cx="0" cy="0"/>
+          <a:chOff x="0" y="0"/>
+          <a:chExt cx="0" cy="0"/>
+        </a:xfrm>
+      </p:grpSpPr>
+      <p:sp>
+        <p:nvSpPr>
+          <p:cNvPr id="5" name="TextBox 4"/>
+          <p:cNvSpPr txBox="1"/>
+          <p:nvPr/>
+        </p:nvSpPr>
+        <p:spPr>
+          <a:xfrm>
+            <a:off x="2170480" y="4994029"/>
+            <a:ext cx="19061757" cy="1823576"/>
+          </a:xfrm>
+          <a:prstGeom prst="rect">
+            <a:avLst/>
+          </a:prstGeom>
+          <a:noFill/>
+        </p:spPr>
+        <p:txBody>
+          <a:bodyPr wrap="none" rtlCol="0" anchor="t">
+            <a:spAutoFit/>
+          </a:bodyPr>
+          <a:lstStyle/>
+          <a:p>
+            <a:pPr algn="ctr">
+              <a:lnSpc>
+                <a:spcPct val="90000"/>
+              </a:lnSpc>
+            </a:pPr>
+            <a:r>
+              <a:rPr lang="en-US" sz="12500" b="1" dirty="0">
+                <a:solidFill>
+                  <a:schemeClr val="tx2"/>
+                </a:solidFill>
+                <a:cs typeface="Calibri"/>
+              </a:rPr>
+              <a:t>WHY? Background / Context</a:t>
+            </a:r>
+            <a:endParaRPr lang="en-US" sz="12500" b="1" dirty="0">
+              <a:solidFill>
+                <a:schemeClr val="tx2"/>
+              </a:solidFill>
+              <a:latin typeface="Calibri"/>
+              <a:cs typeface="Calibri"/>
+            </a:endParaRPr>
+          </a:p>
+        </p:txBody>
+      </p:sp>
+    </p:spTree>
+    <p:extLst>
+      <p:ext uri="{BB962C8B-B14F-4D97-AF65-F5344CB8AC3E}">
+        <p14:creationId xmlns:p14="http://schemas.microsoft.com/office/powerpoint/2010/main" val="4070645696"/>
+      </p:ext>
+    </p:extLst>
+  </p:cSld>
+  <p:clrMapOvr>
+    <a:masterClrMapping/>
+  </p:clrMapOvr>
+  <mc:AlternateContent xmlns:mc="http://schemas.openxmlformats.org/markup-compatibility/2006" xmlns:p14="http://schemas.microsoft.com/office/powerpoint/2010/main">
+    <mc:Choice Requires="p14">
+      <p:transition spd="med" p14:dur="700">
+        <p:fade/>
+      </p:transition>
+    </mc:Choice>
+    <mc:Fallback xmlns="">
+      <p:transition xmlns:p14="http://schemas.microsoft.com/office/powerpoint/2010/main" spd="med">
+        <p:fade/>
+      </p:transition>
+    </mc:Fallback>
+  </mc:AlternateContent>
+</p:sld>
+</file>
+
+<file path=ppt/slides/slide30.xml><?xml version="1.0" encoding="utf-8"?>
 <p:sld xmlns:a="http://schemas.openxmlformats.org/drawingml/2006/main" xmlns:r="http://schemas.openxmlformats.org/officeDocument/2006/relationships" xmlns:p="http://schemas.openxmlformats.org/presentationml/2006/main">
   <p:cSld>
     <p:spTree>
@@ -18446,94 +22384,6 @@
       <p:bldP spid="20" grpId="0" animBg="1"/>
     </p:bldLst>
   </p:timing>
-</p:sld>
-</file>
-
-<file path=ppt/slides/slide3.xml><?xml version="1.0" encoding="utf-8"?>
-<p:sld xmlns:a="http://schemas.openxmlformats.org/drawingml/2006/main" xmlns:r="http://schemas.openxmlformats.org/officeDocument/2006/relationships" xmlns:p="http://schemas.openxmlformats.org/presentationml/2006/main">
-  <p:cSld>
-    <p:spTree>
-      <p:nvGrpSpPr>
-        <p:cNvPr id="1" name=""/>
-        <p:cNvGrpSpPr/>
-        <p:nvPr/>
-      </p:nvGrpSpPr>
-      <p:grpSpPr>
-        <a:xfrm>
-          <a:off x="0" y="0"/>
-          <a:ext cx="0" cy="0"/>
-          <a:chOff x="0" y="0"/>
-          <a:chExt cx="0" cy="0"/>
-        </a:xfrm>
-      </p:grpSpPr>
-      <p:sp>
-        <p:nvSpPr>
-          <p:cNvPr id="5" name="TextBox 4"/>
-          <p:cNvSpPr txBox="1"/>
-          <p:nvPr/>
-        </p:nvSpPr>
-        <p:spPr>
-          <a:xfrm>
-            <a:off x="2170480" y="4994029"/>
-            <a:ext cx="19061757" cy="1823576"/>
-          </a:xfrm>
-          <a:prstGeom prst="rect">
-            <a:avLst/>
-          </a:prstGeom>
-          <a:noFill/>
-        </p:spPr>
-        <p:txBody>
-          <a:bodyPr wrap="none" rtlCol="0" anchor="t">
-            <a:spAutoFit/>
-          </a:bodyPr>
-          <a:lstStyle/>
-          <a:p>
-            <a:pPr algn="ctr">
-              <a:lnSpc>
-                <a:spcPct val="90000"/>
-              </a:lnSpc>
-            </a:pPr>
-            <a:r>
-              <a:rPr lang="en-US" sz="12500" b="1" dirty="0">
-                <a:solidFill>
-                  <a:schemeClr val="tx2"/>
-                </a:solidFill>
-                <a:cs typeface="Calibri"/>
-              </a:rPr>
-              <a:t>WHY? Background / Context</a:t>
-            </a:r>
-            <a:endParaRPr lang="en-US" sz="12500" b="1" dirty="0">
-              <a:solidFill>
-                <a:schemeClr val="tx2"/>
-              </a:solidFill>
-              <a:latin typeface="Calibri"/>
-              <a:cs typeface="Calibri"/>
-            </a:endParaRPr>
-          </a:p>
-        </p:txBody>
-      </p:sp>
-    </p:spTree>
-    <p:extLst>
-      <p:ext uri="{BB962C8B-B14F-4D97-AF65-F5344CB8AC3E}">
-        <p14:creationId xmlns:p14="http://schemas.microsoft.com/office/powerpoint/2010/main" val="4070645696"/>
-      </p:ext>
-    </p:extLst>
-  </p:cSld>
-  <p:clrMapOvr>
-    <a:masterClrMapping/>
-  </p:clrMapOvr>
-  <mc:AlternateContent xmlns:mc="http://schemas.openxmlformats.org/markup-compatibility/2006" xmlns:p14="http://schemas.microsoft.com/office/powerpoint/2010/main">
-    <mc:Choice Requires="p14">
-      <p:transition spd="med" p14:dur="700">
-        <p:fade/>
-      </p:transition>
-    </mc:Choice>
-    <mc:Fallback xmlns="">
-      <p:transition xmlns:p14="http://schemas.microsoft.com/office/powerpoint/2010/main" spd="med">
-        <p:fade/>
-      </p:transition>
-    </mc:Fallback>
-  </mc:AlternateContent>
 </p:sld>
 </file>
 
